--- a/UC9/SA2 - Atividade 3 - Organização do Trabalho - Galeria/Estrutura Organizacional.pptx
+++ b/UC9/SA2 - Atividade 3 - Organização do Trabalho - Galeria/Estrutura Organizacional.pptx
@@ -104,6 +104,11 @@
       </a:defRPr>
     </a:lvl9pPr>
   </p:defaultTextStyle>
+  <p:extLst>
+    <p:ext uri="{EFAFB233-063F-42B5-8137-9DF3F51BA10A}">
+      <p15:sldGuideLst xmlns:p15="http://schemas.microsoft.com/office/powerpoint/2012/main"/>
+    </p:ext>
+  </p:extLst>
 </p:presentation>
 </file>
 
@@ -1328,6 +1333,114 @@
         </a:p>
       </dgm:t>
     </dgm:pt>
+    <dgm:pt modelId="{23D22876-2335-4AB4-A259-B18B1C96B063}">
+      <dgm:prSet phldrT="[Texto]"/>
+      <dgm:spPr/>
+      <dgm:t>
+        <a:bodyPr/>
+        <a:lstStyle/>
+        <a:p>
+          <a:r>
+            <a:rPr lang="pt-BR" dirty="0"/>
+            <a:t>DBA</a:t>
+          </a:r>
+        </a:p>
+      </dgm:t>
+    </dgm:pt>
+    <dgm:pt modelId="{536F181E-0A25-407F-8821-4B035C3307C9}" type="parTrans" cxnId="{ED8C4D01-E1D5-4C25-9B8F-48D7303B7C94}">
+      <dgm:prSet/>
+      <dgm:spPr/>
+      <dgm:t>
+        <a:bodyPr/>
+        <a:lstStyle/>
+        <a:p>
+          <a:endParaRPr lang="pt-BR"/>
+        </a:p>
+      </dgm:t>
+    </dgm:pt>
+    <dgm:pt modelId="{8385725D-46FE-4EC7-BEB6-B55CDC5AEC82}" type="sibTrans" cxnId="{ED8C4D01-E1D5-4C25-9B8F-48D7303B7C94}">
+      <dgm:prSet/>
+      <dgm:spPr/>
+      <dgm:t>
+        <a:bodyPr/>
+        <a:lstStyle/>
+        <a:p>
+          <a:endParaRPr lang="pt-BR"/>
+        </a:p>
+      </dgm:t>
+    </dgm:pt>
+    <dgm:pt modelId="{1C83538F-5BC7-4ACF-8BC5-714D84DFF1EA}">
+      <dgm:prSet phldrT="[Texto]"/>
+      <dgm:spPr/>
+      <dgm:t>
+        <a:bodyPr/>
+        <a:lstStyle/>
+        <a:p>
+          <a:r>
+            <a:rPr lang="pt-BR" dirty="0"/>
+            <a:t>Coordenador de Infraestrutura</a:t>
+          </a:r>
+        </a:p>
+      </dgm:t>
+    </dgm:pt>
+    <dgm:pt modelId="{77BB0A02-F034-45B5-A38A-06BEF31F6EFE}" type="parTrans" cxnId="{6A6A2B0B-DCF8-409F-AACD-8714783B68FC}">
+      <dgm:prSet/>
+      <dgm:spPr/>
+      <dgm:t>
+        <a:bodyPr/>
+        <a:lstStyle/>
+        <a:p>
+          <a:endParaRPr lang="pt-BR"/>
+        </a:p>
+      </dgm:t>
+    </dgm:pt>
+    <dgm:pt modelId="{6B312387-47BE-4DCA-8C03-59CA020F40FA}" type="sibTrans" cxnId="{6A6A2B0B-DCF8-409F-AACD-8714783B68FC}">
+      <dgm:prSet/>
+      <dgm:spPr/>
+      <dgm:t>
+        <a:bodyPr/>
+        <a:lstStyle/>
+        <a:p>
+          <a:endParaRPr lang="pt-BR"/>
+        </a:p>
+      </dgm:t>
+    </dgm:pt>
+    <dgm:pt modelId="{D372FD0F-1649-40A7-920E-FB6A6DBF18C5}">
+      <dgm:prSet phldrT="[Texto]"/>
+      <dgm:spPr/>
+      <dgm:t>
+        <a:bodyPr/>
+        <a:lstStyle/>
+        <a:p>
+          <a:r>
+            <a:rPr lang="pt-BR" dirty="0"/>
+            <a:t>Técnico de Infra</a:t>
+          </a:r>
+        </a:p>
+      </dgm:t>
+    </dgm:pt>
+    <dgm:pt modelId="{DD8106CD-928F-4FA1-85FB-EB0B948FBCD3}" type="parTrans" cxnId="{407191ED-B44A-427E-BE1A-B46F67C82B62}">
+      <dgm:prSet/>
+      <dgm:spPr/>
+      <dgm:t>
+        <a:bodyPr/>
+        <a:lstStyle/>
+        <a:p>
+          <a:endParaRPr lang="pt-BR"/>
+        </a:p>
+      </dgm:t>
+    </dgm:pt>
+    <dgm:pt modelId="{82AC0A8D-D5F2-4607-B1A5-2413BA0D3866}" type="sibTrans" cxnId="{407191ED-B44A-427E-BE1A-B46F67C82B62}">
+      <dgm:prSet/>
+      <dgm:spPr/>
+      <dgm:t>
+        <a:bodyPr/>
+        <a:lstStyle/>
+        <a:p>
+          <a:endParaRPr lang="pt-BR"/>
+        </a:p>
+      </dgm:t>
+    </dgm:pt>
     <dgm:pt modelId="{30D361FC-90B0-4E0F-9051-461FC553849A}" type="pres">
       <dgm:prSet presAssocID="{2F742410-8515-451A-A5A2-1F3721702928}" presName="hierChild1" presStyleCnt="0">
         <dgm:presLayoutVars>
@@ -1365,7 +1478,7 @@
       <dgm:spPr/>
     </dgm:pt>
     <dgm:pt modelId="{7FE73FED-46AE-4605-A583-ED31E126A7D6}" type="pres">
-      <dgm:prSet presAssocID="{368F65E4-196C-4450-85A9-2F0DDE422986}" presName="Name10" presStyleLbl="parChTrans1D2" presStyleIdx="0" presStyleCnt="2"/>
+      <dgm:prSet presAssocID="{368F65E4-196C-4450-85A9-2F0DDE422986}" presName="Name10" presStyleLbl="parChTrans1D2" presStyleIdx="0" presStyleCnt="3"/>
       <dgm:spPr/>
     </dgm:pt>
     <dgm:pt modelId="{DAA29C40-5BE8-4E48-A67E-DB792FFDF7D1}" type="pres">
@@ -1381,7 +1494,7 @@
       <dgm:spPr/>
     </dgm:pt>
     <dgm:pt modelId="{C84D2855-2230-44E1-AE4F-6925FB1D6735}" type="pres">
-      <dgm:prSet presAssocID="{3F5AEC27-E333-4753-AA01-79DFF1E9107C}" presName="text2" presStyleLbl="fgAcc2" presStyleIdx="0" presStyleCnt="2">
+      <dgm:prSet presAssocID="{3F5AEC27-E333-4753-AA01-79DFF1E9107C}" presName="text2" presStyleLbl="fgAcc2" presStyleIdx="0" presStyleCnt="3">
         <dgm:presLayoutVars>
           <dgm:chPref val="3"/>
         </dgm:presLayoutVars>
@@ -1393,7 +1506,7 @@
       <dgm:spPr/>
     </dgm:pt>
     <dgm:pt modelId="{9899F55A-6CC5-42C1-8DB1-F4F7944773F6}" type="pres">
-      <dgm:prSet presAssocID="{00508236-BB17-4BD3-9EC9-79AA1D2F9B6A}" presName="Name17" presStyleLbl="parChTrans1D3" presStyleIdx="0" presStyleCnt="5"/>
+      <dgm:prSet presAssocID="{00508236-BB17-4BD3-9EC9-79AA1D2F9B6A}" presName="Name17" presStyleLbl="parChTrans1D3" presStyleIdx="0" presStyleCnt="7"/>
       <dgm:spPr/>
     </dgm:pt>
     <dgm:pt modelId="{813D0639-B926-45A9-94B6-03A068331C42}" type="pres">
@@ -1405,11 +1518,11 @@
       <dgm:spPr/>
     </dgm:pt>
     <dgm:pt modelId="{77E5CE80-A0AF-4971-8F40-C9A4CC70A011}" type="pres">
-      <dgm:prSet presAssocID="{CB6F1000-099E-4317-9B95-2BE11FCF4423}" presName="background3" presStyleLbl="node3" presStyleIdx="0" presStyleCnt="5"/>
+      <dgm:prSet presAssocID="{CB6F1000-099E-4317-9B95-2BE11FCF4423}" presName="background3" presStyleLbl="node3" presStyleIdx="0" presStyleCnt="7"/>
       <dgm:spPr/>
     </dgm:pt>
     <dgm:pt modelId="{2C33B9A5-A5E4-4D14-B557-BE07D1D84456}" type="pres">
-      <dgm:prSet presAssocID="{CB6F1000-099E-4317-9B95-2BE11FCF4423}" presName="text3" presStyleLbl="fgAcc3" presStyleIdx="0" presStyleCnt="5">
+      <dgm:prSet presAssocID="{CB6F1000-099E-4317-9B95-2BE11FCF4423}" presName="text3" presStyleLbl="fgAcc3" presStyleIdx="0" presStyleCnt="7">
         <dgm:presLayoutVars>
           <dgm:chPref val="3"/>
         </dgm:presLayoutVars>
@@ -1421,7 +1534,7 @@
       <dgm:spPr/>
     </dgm:pt>
     <dgm:pt modelId="{67FA50F7-5703-47C3-A875-760B7D2368A6}" type="pres">
-      <dgm:prSet presAssocID="{F05D0560-BD70-409F-A3F7-A0AE7E8AC0D7}" presName="Name17" presStyleLbl="parChTrans1D3" presStyleIdx="1" presStyleCnt="5"/>
+      <dgm:prSet presAssocID="{F05D0560-BD70-409F-A3F7-A0AE7E8AC0D7}" presName="Name17" presStyleLbl="parChTrans1D3" presStyleIdx="1" presStyleCnt="7"/>
       <dgm:spPr/>
     </dgm:pt>
     <dgm:pt modelId="{AE1944D2-68B9-4614-9B16-8AF73FB72DD6}" type="pres">
@@ -1433,11 +1546,11 @@
       <dgm:spPr/>
     </dgm:pt>
     <dgm:pt modelId="{E8C417FF-D32C-4E1B-91B0-0BDD6F3827EF}" type="pres">
-      <dgm:prSet presAssocID="{EEB20ADF-D0F3-48E2-9C0D-FB23B954E827}" presName="background3" presStyleLbl="node3" presStyleIdx="1" presStyleCnt="5"/>
+      <dgm:prSet presAssocID="{EEB20ADF-D0F3-48E2-9C0D-FB23B954E827}" presName="background3" presStyleLbl="node3" presStyleIdx="1" presStyleCnt="7"/>
       <dgm:spPr/>
     </dgm:pt>
     <dgm:pt modelId="{1DA2A86C-B181-4661-BFE1-4CF455EB0613}" type="pres">
-      <dgm:prSet presAssocID="{EEB20ADF-D0F3-48E2-9C0D-FB23B954E827}" presName="text3" presStyleLbl="fgAcc3" presStyleIdx="1" presStyleCnt="5">
+      <dgm:prSet presAssocID="{EEB20ADF-D0F3-48E2-9C0D-FB23B954E827}" presName="text3" presStyleLbl="fgAcc3" presStyleIdx="1" presStyleCnt="7">
         <dgm:presLayoutVars>
           <dgm:chPref val="3"/>
         </dgm:presLayoutVars>
@@ -1449,7 +1562,7 @@
       <dgm:spPr/>
     </dgm:pt>
     <dgm:pt modelId="{B75E5E1C-9739-43B4-83C0-A93DB27D3A3F}" type="pres">
-      <dgm:prSet presAssocID="{3570331C-1B69-476F-A646-13AC1FF1FC98}" presName="Name17" presStyleLbl="parChTrans1D3" presStyleIdx="2" presStyleCnt="5"/>
+      <dgm:prSet presAssocID="{3570331C-1B69-476F-A646-13AC1FF1FC98}" presName="Name17" presStyleLbl="parChTrans1D3" presStyleIdx="2" presStyleCnt="7"/>
       <dgm:spPr/>
     </dgm:pt>
     <dgm:pt modelId="{E6D23B86-94BF-4ECE-A5EE-03E09E652A7D}" type="pres">
@@ -1461,11 +1574,11 @@
       <dgm:spPr/>
     </dgm:pt>
     <dgm:pt modelId="{77F9202C-BBBD-474C-A2C9-623F208523DD}" type="pres">
-      <dgm:prSet presAssocID="{E119010D-1B2A-4CD3-82FE-80ACA827DEE5}" presName="background3" presStyleLbl="node3" presStyleIdx="2" presStyleCnt="5"/>
+      <dgm:prSet presAssocID="{E119010D-1B2A-4CD3-82FE-80ACA827DEE5}" presName="background3" presStyleLbl="node3" presStyleIdx="2" presStyleCnt="7"/>
       <dgm:spPr/>
     </dgm:pt>
     <dgm:pt modelId="{0600972B-0B69-45B6-973E-56C9EB30F94D}" type="pres">
-      <dgm:prSet presAssocID="{E119010D-1B2A-4CD3-82FE-80ACA827DEE5}" presName="text3" presStyleLbl="fgAcc3" presStyleIdx="2" presStyleCnt="5">
+      <dgm:prSet presAssocID="{E119010D-1B2A-4CD3-82FE-80ACA827DEE5}" presName="text3" presStyleLbl="fgAcc3" presStyleIdx="2" presStyleCnt="7">
         <dgm:presLayoutVars>
           <dgm:chPref val="3"/>
         </dgm:presLayoutVars>
@@ -1476,114 +1589,207 @@
       <dgm:prSet presAssocID="{E119010D-1B2A-4CD3-82FE-80ACA827DEE5}" presName="hierChild4" presStyleCnt="0"/>
       <dgm:spPr/>
     </dgm:pt>
-    <dgm:pt modelId="{84D0BE1B-4A11-4A55-8940-041C8EAE1AA5}" type="pres">
-      <dgm:prSet presAssocID="{45E475FC-B748-4D83-AF86-6B4B2B63A88D}" presName="Name10" presStyleLbl="parChTrans1D2" presStyleIdx="1" presStyleCnt="2"/>
-      <dgm:spPr/>
-    </dgm:pt>
-    <dgm:pt modelId="{18EEAD28-37C1-4747-B09F-AF32F44A087E}" type="pres">
-      <dgm:prSet presAssocID="{5E5649F2-3D98-4B7D-AC53-275EE036F31F}" presName="hierRoot2" presStyleCnt="0"/>
-      <dgm:spPr/>
-    </dgm:pt>
-    <dgm:pt modelId="{04E4693A-601F-472A-98D3-0972E09E7A42}" type="pres">
-      <dgm:prSet presAssocID="{5E5649F2-3D98-4B7D-AC53-275EE036F31F}" presName="composite2" presStyleCnt="0"/>
-      <dgm:spPr/>
-    </dgm:pt>
-    <dgm:pt modelId="{A1816F1F-D793-468C-986E-89BF52209F95}" type="pres">
-      <dgm:prSet presAssocID="{5E5649F2-3D98-4B7D-AC53-275EE036F31F}" presName="background2" presStyleLbl="node2" presStyleIdx="0" presStyleCnt="1"/>
-      <dgm:spPr/>
-    </dgm:pt>
-    <dgm:pt modelId="{79E4CBE8-BC23-4093-B48A-4E3533B0A0D4}" type="pres">
-      <dgm:prSet presAssocID="{5E5649F2-3D98-4B7D-AC53-275EE036F31F}" presName="text2" presStyleLbl="fgAcc2" presStyleIdx="1" presStyleCnt="2">
+    <dgm:pt modelId="{4A2018DB-F913-4D6C-BD1C-5F4F63CC5EF0}" type="pres">
+      <dgm:prSet presAssocID="{536F181E-0A25-407F-8821-4B035C3307C9}" presName="Name17" presStyleLbl="parChTrans1D3" presStyleIdx="3" presStyleCnt="7"/>
+      <dgm:spPr/>
+    </dgm:pt>
+    <dgm:pt modelId="{F70474A4-7686-4AFD-B9D4-DFE86C0BFA24}" type="pres">
+      <dgm:prSet presAssocID="{23D22876-2335-4AB4-A259-B18B1C96B063}" presName="hierRoot3" presStyleCnt="0"/>
+      <dgm:spPr/>
+    </dgm:pt>
+    <dgm:pt modelId="{FCBD28F4-D242-4EAA-81C5-3F206AF19A18}" type="pres">
+      <dgm:prSet presAssocID="{23D22876-2335-4AB4-A259-B18B1C96B063}" presName="composite3" presStyleCnt="0"/>
+      <dgm:spPr/>
+    </dgm:pt>
+    <dgm:pt modelId="{A18E23DC-3E18-4A46-8741-4636D476F51F}" type="pres">
+      <dgm:prSet presAssocID="{23D22876-2335-4AB4-A259-B18B1C96B063}" presName="background3" presStyleLbl="node3" presStyleIdx="3" presStyleCnt="7"/>
+      <dgm:spPr/>
+    </dgm:pt>
+    <dgm:pt modelId="{38A4DE1F-A001-4AB0-A497-E7D76AA09B1D}" type="pres">
+      <dgm:prSet presAssocID="{23D22876-2335-4AB4-A259-B18B1C96B063}" presName="text3" presStyleLbl="fgAcc3" presStyleIdx="3" presStyleCnt="7">
         <dgm:presLayoutVars>
           <dgm:chPref val="3"/>
         </dgm:presLayoutVars>
       </dgm:prSet>
       <dgm:spPr/>
     </dgm:pt>
-    <dgm:pt modelId="{277FB263-BB48-40F6-B6DF-9E25B0CEECD0}" type="pres">
-      <dgm:prSet presAssocID="{5E5649F2-3D98-4B7D-AC53-275EE036F31F}" presName="hierChild3" presStyleCnt="0"/>
-      <dgm:spPr/>
-    </dgm:pt>
-    <dgm:pt modelId="{2D0EA42C-E395-471A-AF9B-8BA1572F185A}" type="pres">
-      <dgm:prSet presAssocID="{CD178F4F-91C9-4511-A07A-A7C54DDD5FE6}" presName="Name17" presStyleLbl="parChTrans1D3" presStyleIdx="3" presStyleCnt="5"/>
-      <dgm:spPr/>
-    </dgm:pt>
-    <dgm:pt modelId="{5CAD0E90-DC08-4C86-B861-BC4EA45AD00A}" type="pres">
-      <dgm:prSet presAssocID="{65A820DE-DE76-4C3F-B23A-7630A244B089}" presName="hierRoot3" presStyleCnt="0"/>
-      <dgm:spPr/>
-    </dgm:pt>
-    <dgm:pt modelId="{8E2FDEEE-0976-43AB-9BB4-FB21FB3BC6B4}" type="pres">
-      <dgm:prSet presAssocID="{65A820DE-DE76-4C3F-B23A-7630A244B089}" presName="composite3" presStyleCnt="0"/>
-      <dgm:spPr/>
-    </dgm:pt>
-    <dgm:pt modelId="{05D7BFCD-532D-43B5-8A9E-3AF18B6629E8}" type="pres">
-      <dgm:prSet presAssocID="{65A820DE-DE76-4C3F-B23A-7630A244B089}" presName="background3" presStyleLbl="node3" presStyleIdx="3" presStyleCnt="5"/>
-      <dgm:spPr/>
-    </dgm:pt>
-    <dgm:pt modelId="{9CD4513E-C7AD-4B51-A032-1B62A87B2721}" type="pres">
-      <dgm:prSet presAssocID="{65A820DE-DE76-4C3F-B23A-7630A244B089}" presName="text3" presStyleLbl="fgAcc3" presStyleIdx="3" presStyleCnt="5">
+    <dgm:pt modelId="{A0E03099-F90E-4B80-B071-B64B3888798F}" type="pres">
+      <dgm:prSet presAssocID="{23D22876-2335-4AB4-A259-B18B1C96B063}" presName="hierChild4" presStyleCnt="0"/>
+      <dgm:spPr/>
+    </dgm:pt>
+    <dgm:pt modelId="{84D0BE1B-4A11-4A55-8940-041C8EAE1AA5}" type="pres">
+      <dgm:prSet presAssocID="{45E475FC-B748-4D83-AF86-6B4B2B63A88D}" presName="Name10" presStyleLbl="parChTrans1D2" presStyleIdx="1" presStyleCnt="3"/>
+      <dgm:spPr/>
+    </dgm:pt>
+    <dgm:pt modelId="{18EEAD28-37C1-4747-B09F-AF32F44A087E}" type="pres">
+      <dgm:prSet presAssocID="{5E5649F2-3D98-4B7D-AC53-275EE036F31F}" presName="hierRoot2" presStyleCnt="0"/>
+      <dgm:spPr/>
+    </dgm:pt>
+    <dgm:pt modelId="{04E4693A-601F-472A-98D3-0972E09E7A42}" type="pres">
+      <dgm:prSet presAssocID="{5E5649F2-3D98-4B7D-AC53-275EE036F31F}" presName="composite2" presStyleCnt="0"/>
+      <dgm:spPr/>
+    </dgm:pt>
+    <dgm:pt modelId="{A1816F1F-D793-468C-986E-89BF52209F95}" type="pres">
+      <dgm:prSet presAssocID="{5E5649F2-3D98-4B7D-AC53-275EE036F31F}" presName="background2" presStyleLbl="node2" presStyleIdx="0" presStyleCnt="2"/>
+      <dgm:spPr/>
+    </dgm:pt>
+    <dgm:pt modelId="{79E4CBE8-BC23-4093-B48A-4E3533B0A0D4}" type="pres">
+      <dgm:prSet presAssocID="{5E5649F2-3D98-4B7D-AC53-275EE036F31F}" presName="text2" presStyleLbl="fgAcc2" presStyleIdx="1" presStyleCnt="3">
         <dgm:presLayoutVars>
           <dgm:chPref val="3"/>
         </dgm:presLayoutVars>
       </dgm:prSet>
       <dgm:spPr/>
     </dgm:pt>
-    <dgm:pt modelId="{5404C258-AC31-4FBA-B286-B02702DC3608}" type="pres">
-      <dgm:prSet presAssocID="{65A820DE-DE76-4C3F-B23A-7630A244B089}" presName="hierChild4" presStyleCnt="0"/>
-      <dgm:spPr/>
-    </dgm:pt>
-    <dgm:pt modelId="{E973A1D1-B591-4044-98E9-4E52C12DC03C}" type="pres">
-      <dgm:prSet presAssocID="{FBD03288-2542-4622-839E-FF6A7387799C}" presName="Name17" presStyleLbl="parChTrans1D3" presStyleIdx="4" presStyleCnt="5"/>
-      <dgm:spPr/>
-    </dgm:pt>
-    <dgm:pt modelId="{13368DD8-E9EF-485E-944E-3684A334DC14}" type="pres">
-      <dgm:prSet presAssocID="{8A1B7E90-0277-4207-95D2-0B98720581F5}" presName="hierRoot3" presStyleCnt="0"/>
-      <dgm:spPr/>
-    </dgm:pt>
-    <dgm:pt modelId="{8AE752AC-98EE-4C45-ADBC-3A73C3F8786F}" type="pres">
-      <dgm:prSet presAssocID="{8A1B7E90-0277-4207-95D2-0B98720581F5}" presName="composite3" presStyleCnt="0"/>
-      <dgm:spPr/>
-    </dgm:pt>
-    <dgm:pt modelId="{824BF061-FD5A-4F33-A2A6-B373BF97E37F}" type="pres">
-      <dgm:prSet presAssocID="{8A1B7E90-0277-4207-95D2-0B98720581F5}" presName="background3" presStyleLbl="node3" presStyleIdx="4" presStyleCnt="5"/>
-      <dgm:spPr/>
-    </dgm:pt>
-    <dgm:pt modelId="{4623F46B-375B-402C-A9E1-B1AF6C9254CF}" type="pres">
-      <dgm:prSet presAssocID="{8A1B7E90-0277-4207-95D2-0B98720581F5}" presName="text3" presStyleLbl="fgAcc3" presStyleIdx="4" presStyleCnt="5">
+    <dgm:pt modelId="{277FB263-BB48-40F6-B6DF-9E25B0CEECD0}" type="pres">
+      <dgm:prSet presAssocID="{5E5649F2-3D98-4B7D-AC53-275EE036F31F}" presName="hierChild3" presStyleCnt="0"/>
+      <dgm:spPr/>
+    </dgm:pt>
+    <dgm:pt modelId="{2D0EA42C-E395-471A-AF9B-8BA1572F185A}" type="pres">
+      <dgm:prSet presAssocID="{CD178F4F-91C9-4511-A07A-A7C54DDD5FE6}" presName="Name17" presStyleLbl="parChTrans1D3" presStyleIdx="4" presStyleCnt="7"/>
+      <dgm:spPr/>
+    </dgm:pt>
+    <dgm:pt modelId="{5CAD0E90-DC08-4C86-B861-BC4EA45AD00A}" type="pres">
+      <dgm:prSet presAssocID="{65A820DE-DE76-4C3F-B23A-7630A244B089}" presName="hierRoot3" presStyleCnt="0"/>
+      <dgm:spPr/>
+    </dgm:pt>
+    <dgm:pt modelId="{8E2FDEEE-0976-43AB-9BB4-FB21FB3BC6B4}" type="pres">
+      <dgm:prSet presAssocID="{65A820DE-DE76-4C3F-B23A-7630A244B089}" presName="composite3" presStyleCnt="0"/>
+      <dgm:spPr/>
+    </dgm:pt>
+    <dgm:pt modelId="{05D7BFCD-532D-43B5-8A9E-3AF18B6629E8}" type="pres">
+      <dgm:prSet presAssocID="{65A820DE-DE76-4C3F-B23A-7630A244B089}" presName="background3" presStyleLbl="node3" presStyleIdx="4" presStyleCnt="7"/>
+      <dgm:spPr/>
+    </dgm:pt>
+    <dgm:pt modelId="{9CD4513E-C7AD-4B51-A032-1B62A87B2721}" type="pres">
+      <dgm:prSet presAssocID="{65A820DE-DE76-4C3F-B23A-7630A244B089}" presName="text3" presStyleLbl="fgAcc3" presStyleIdx="4" presStyleCnt="7">
         <dgm:presLayoutVars>
           <dgm:chPref val="3"/>
         </dgm:presLayoutVars>
       </dgm:prSet>
       <dgm:spPr/>
     </dgm:pt>
+    <dgm:pt modelId="{5404C258-AC31-4FBA-B286-B02702DC3608}" type="pres">
+      <dgm:prSet presAssocID="{65A820DE-DE76-4C3F-B23A-7630A244B089}" presName="hierChild4" presStyleCnt="0"/>
+      <dgm:spPr/>
+    </dgm:pt>
+    <dgm:pt modelId="{E973A1D1-B591-4044-98E9-4E52C12DC03C}" type="pres">
+      <dgm:prSet presAssocID="{FBD03288-2542-4622-839E-FF6A7387799C}" presName="Name17" presStyleLbl="parChTrans1D3" presStyleIdx="5" presStyleCnt="7"/>
+      <dgm:spPr/>
+    </dgm:pt>
+    <dgm:pt modelId="{13368DD8-E9EF-485E-944E-3684A334DC14}" type="pres">
+      <dgm:prSet presAssocID="{8A1B7E90-0277-4207-95D2-0B98720581F5}" presName="hierRoot3" presStyleCnt="0"/>
+      <dgm:spPr/>
+    </dgm:pt>
+    <dgm:pt modelId="{8AE752AC-98EE-4C45-ADBC-3A73C3F8786F}" type="pres">
+      <dgm:prSet presAssocID="{8A1B7E90-0277-4207-95D2-0B98720581F5}" presName="composite3" presStyleCnt="0"/>
+      <dgm:spPr/>
+    </dgm:pt>
+    <dgm:pt modelId="{824BF061-FD5A-4F33-A2A6-B373BF97E37F}" type="pres">
+      <dgm:prSet presAssocID="{8A1B7E90-0277-4207-95D2-0B98720581F5}" presName="background3" presStyleLbl="node3" presStyleIdx="5" presStyleCnt="7"/>
+      <dgm:spPr/>
+    </dgm:pt>
+    <dgm:pt modelId="{4623F46B-375B-402C-A9E1-B1AF6C9254CF}" type="pres">
+      <dgm:prSet presAssocID="{8A1B7E90-0277-4207-95D2-0B98720581F5}" presName="text3" presStyleLbl="fgAcc3" presStyleIdx="5" presStyleCnt="7">
+        <dgm:presLayoutVars>
+          <dgm:chPref val="3"/>
+        </dgm:presLayoutVars>
+      </dgm:prSet>
+      <dgm:spPr/>
+    </dgm:pt>
     <dgm:pt modelId="{D68BD67A-61C9-4368-8CD8-FE138CB6E5A1}" type="pres">
       <dgm:prSet presAssocID="{8A1B7E90-0277-4207-95D2-0B98720581F5}" presName="hierChild4" presStyleCnt="0"/>
       <dgm:spPr/>
     </dgm:pt>
+    <dgm:pt modelId="{8FBD5AD2-0314-49A7-9F9C-B2BD53AA8F33}" type="pres">
+      <dgm:prSet presAssocID="{77BB0A02-F034-45B5-A38A-06BEF31F6EFE}" presName="Name10" presStyleLbl="parChTrans1D2" presStyleIdx="2" presStyleCnt="3"/>
+      <dgm:spPr/>
+    </dgm:pt>
+    <dgm:pt modelId="{980B4E2A-F8CC-4AB1-B826-65A6F6F652B0}" type="pres">
+      <dgm:prSet presAssocID="{1C83538F-5BC7-4ACF-8BC5-714D84DFF1EA}" presName="hierRoot2" presStyleCnt="0"/>
+      <dgm:spPr/>
+    </dgm:pt>
+    <dgm:pt modelId="{D8B39CFF-C4DC-4F3E-8D90-F625D18304E4}" type="pres">
+      <dgm:prSet presAssocID="{1C83538F-5BC7-4ACF-8BC5-714D84DFF1EA}" presName="composite2" presStyleCnt="0"/>
+      <dgm:spPr/>
+    </dgm:pt>
+    <dgm:pt modelId="{87E8B74F-BBB0-4C70-837B-E9ECC3ADA2C9}" type="pres">
+      <dgm:prSet presAssocID="{1C83538F-5BC7-4ACF-8BC5-714D84DFF1EA}" presName="background2" presStyleLbl="node2" presStyleIdx="1" presStyleCnt="2"/>
+      <dgm:spPr/>
+    </dgm:pt>
+    <dgm:pt modelId="{12BE1D0E-C575-4051-B31E-3D6F4B186AD2}" type="pres">
+      <dgm:prSet presAssocID="{1C83538F-5BC7-4ACF-8BC5-714D84DFF1EA}" presName="text2" presStyleLbl="fgAcc2" presStyleIdx="2" presStyleCnt="3">
+        <dgm:presLayoutVars>
+          <dgm:chPref val="3"/>
+        </dgm:presLayoutVars>
+      </dgm:prSet>
+      <dgm:spPr/>
+    </dgm:pt>
+    <dgm:pt modelId="{F95F917E-438D-4682-8917-37ADEADD711C}" type="pres">
+      <dgm:prSet presAssocID="{1C83538F-5BC7-4ACF-8BC5-714D84DFF1EA}" presName="hierChild3" presStyleCnt="0"/>
+      <dgm:spPr/>
+    </dgm:pt>
+    <dgm:pt modelId="{5D9F7959-14C6-412D-B4A8-9B8D05381C51}" type="pres">
+      <dgm:prSet presAssocID="{DD8106CD-928F-4FA1-85FB-EB0B948FBCD3}" presName="Name17" presStyleLbl="parChTrans1D3" presStyleIdx="6" presStyleCnt="7"/>
+      <dgm:spPr/>
+    </dgm:pt>
+    <dgm:pt modelId="{3BBF67B5-B8B8-4D13-A0E6-E742771B3FF9}" type="pres">
+      <dgm:prSet presAssocID="{D372FD0F-1649-40A7-920E-FB6A6DBF18C5}" presName="hierRoot3" presStyleCnt="0"/>
+      <dgm:spPr/>
+    </dgm:pt>
+    <dgm:pt modelId="{B8FB6803-4903-48F1-BC13-E283DA03F24C}" type="pres">
+      <dgm:prSet presAssocID="{D372FD0F-1649-40A7-920E-FB6A6DBF18C5}" presName="composite3" presStyleCnt="0"/>
+      <dgm:spPr/>
+    </dgm:pt>
+    <dgm:pt modelId="{2BDF6740-AACC-41DF-B4A6-77880F17FFC9}" type="pres">
+      <dgm:prSet presAssocID="{D372FD0F-1649-40A7-920E-FB6A6DBF18C5}" presName="background3" presStyleLbl="node3" presStyleIdx="6" presStyleCnt="7"/>
+      <dgm:spPr/>
+    </dgm:pt>
+    <dgm:pt modelId="{0F58CA31-0DCD-4E9C-8D5B-5C4A9D57EA05}" type="pres">
+      <dgm:prSet presAssocID="{D372FD0F-1649-40A7-920E-FB6A6DBF18C5}" presName="text3" presStyleLbl="fgAcc3" presStyleIdx="6" presStyleCnt="7">
+        <dgm:presLayoutVars>
+          <dgm:chPref val="3"/>
+        </dgm:presLayoutVars>
+      </dgm:prSet>
+      <dgm:spPr/>
+    </dgm:pt>
+    <dgm:pt modelId="{03BECCDF-19B6-41E1-B968-856BAEFACEC2}" type="pres">
+      <dgm:prSet presAssocID="{D372FD0F-1649-40A7-920E-FB6A6DBF18C5}" presName="hierChild4" presStyleCnt="0"/>
+      <dgm:spPr/>
+    </dgm:pt>
   </dgm:ptLst>
   <dgm:cxnLst>
+    <dgm:cxn modelId="{ED8C4D01-E1D5-4C25-9B8F-48D7303B7C94}" srcId="{3F5AEC27-E333-4753-AA01-79DFF1E9107C}" destId="{23D22876-2335-4AB4-A259-B18B1C96B063}" srcOrd="3" destOrd="0" parTransId="{536F181E-0A25-407F-8821-4B035C3307C9}" sibTransId="{8385725D-46FE-4EC7-BEB6-B55CDC5AEC82}"/>
     <dgm:cxn modelId="{FF640104-8B6B-4C52-B027-B75403B0DDCF}" type="presOf" srcId="{8A1B7E90-0277-4207-95D2-0B98720581F5}" destId="{4623F46B-375B-402C-A9E1-B1AF6C9254CF}" srcOrd="0" destOrd="0" presId="urn:microsoft.com/office/officeart/2005/8/layout/hierarchy1"/>
+    <dgm:cxn modelId="{6A6A2B0B-DCF8-409F-AACD-8714783B68FC}" srcId="{6D83FEBC-8BBC-4DFB-AC0C-32E82FD5BAFD}" destId="{1C83538F-5BC7-4ACF-8BC5-714D84DFF1EA}" srcOrd="2" destOrd="0" parTransId="{77BB0A02-F034-45B5-A38A-06BEF31F6EFE}" sibTransId="{6B312387-47BE-4DCA-8C03-59CA020F40FA}"/>
+    <dgm:cxn modelId="{CF18E60C-403B-4304-B39E-2C33C207BE21}" type="presOf" srcId="{536F181E-0A25-407F-8821-4B035C3307C9}" destId="{4A2018DB-F913-4D6C-BD1C-5F4F63CC5EF0}" srcOrd="0" destOrd="0" presId="urn:microsoft.com/office/officeart/2005/8/layout/hierarchy1"/>
     <dgm:cxn modelId="{A6ED6F20-134C-4E2F-A544-949A2F37805B}" type="presOf" srcId="{E119010D-1B2A-4CD3-82FE-80ACA827DEE5}" destId="{0600972B-0B69-45B6-973E-56C9EB30F94D}" srcOrd="0" destOrd="0" presId="urn:microsoft.com/office/officeart/2005/8/layout/hierarchy1"/>
     <dgm:cxn modelId="{5150332A-F28F-4920-864E-39B8DE77DD46}" srcId="{3F5AEC27-E333-4753-AA01-79DFF1E9107C}" destId="{E119010D-1B2A-4CD3-82FE-80ACA827DEE5}" srcOrd="2" destOrd="0" parTransId="{3570331C-1B69-476F-A646-13AC1FF1FC98}" sibTransId="{9CCB407D-D99B-422E-AEC1-1741A326153A}"/>
     <dgm:cxn modelId="{F459382B-6388-45C6-9317-BE82B5755F4F}" srcId="{3F5AEC27-E333-4753-AA01-79DFF1E9107C}" destId="{CB6F1000-099E-4317-9B95-2BE11FCF4423}" srcOrd="0" destOrd="0" parTransId="{00508236-BB17-4BD3-9EC9-79AA1D2F9B6A}" sibTransId="{01E4FC56-AEE8-4E03-A416-EE1F44C82AC1}"/>
+    <dgm:cxn modelId="{2569792C-2A21-4646-A5A1-897B5E094CE8}" type="presOf" srcId="{1C83538F-5BC7-4ACF-8BC5-714D84DFF1EA}" destId="{12BE1D0E-C575-4051-B31E-3D6F4B186AD2}" srcOrd="0" destOrd="0" presId="urn:microsoft.com/office/officeart/2005/8/layout/hierarchy1"/>
     <dgm:cxn modelId="{1AEF3632-1735-4B71-806C-04F87F036627}" type="presOf" srcId="{45E475FC-B748-4D83-AF86-6B4B2B63A88D}" destId="{84D0BE1B-4A11-4A55-8940-041C8EAE1AA5}" srcOrd="0" destOrd="0" presId="urn:microsoft.com/office/officeart/2005/8/layout/hierarchy1"/>
     <dgm:cxn modelId="{26B1F15C-52BB-4BB2-AA1A-187546E84BD4}" type="presOf" srcId="{CB6F1000-099E-4317-9B95-2BE11FCF4423}" destId="{2C33B9A5-A5E4-4D14-B557-BE07D1D84456}" srcOrd="0" destOrd="0" presId="urn:microsoft.com/office/officeart/2005/8/layout/hierarchy1"/>
     <dgm:cxn modelId="{AF39EF5E-703F-451E-BE9B-916BD77FC4BC}" type="presOf" srcId="{368F65E4-196C-4450-85A9-2F0DDE422986}" destId="{7FE73FED-46AE-4605-A583-ED31E126A7D6}" srcOrd="0" destOrd="0" presId="urn:microsoft.com/office/officeart/2005/8/layout/hierarchy1"/>
     <dgm:cxn modelId="{DEFA055F-D4D5-4C47-BDD9-2F0C2134875F}" srcId="{2F742410-8515-451A-A5A2-1F3721702928}" destId="{6D83FEBC-8BBC-4DFB-AC0C-32E82FD5BAFD}" srcOrd="0" destOrd="0" parTransId="{80DC9BCB-6AFC-4A66-965E-49752E324C57}" sibTransId="{2530D7F9-2499-4E99-9244-6BE58936C580}"/>
     <dgm:cxn modelId="{35DC1A46-7DFA-4446-BC9D-AC0B827D1F24}" type="presOf" srcId="{65A820DE-DE76-4C3F-B23A-7630A244B089}" destId="{9CD4513E-C7AD-4B51-A032-1B62A87B2721}" srcOrd="0" destOrd="0" presId="urn:microsoft.com/office/officeart/2005/8/layout/hierarchy1"/>
+    <dgm:cxn modelId="{75D6A347-8E60-4C21-A28D-BAE5EED19B14}" type="presOf" srcId="{77BB0A02-F034-45B5-A38A-06BEF31F6EFE}" destId="{8FBD5AD2-0314-49A7-9F9C-B2BD53AA8F33}" srcOrd="0" destOrd="0" presId="urn:microsoft.com/office/officeart/2005/8/layout/hierarchy1"/>
     <dgm:cxn modelId="{8C019D6A-C351-419E-9571-DEF1C2672E43}" type="presOf" srcId="{3570331C-1B69-476F-A646-13AC1FF1FC98}" destId="{B75E5E1C-9739-43B4-83C0-A93DB27D3A3F}" srcOrd="0" destOrd="0" presId="urn:microsoft.com/office/officeart/2005/8/layout/hierarchy1"/>
+    <dgm:cxn modelId="{48DB924E-D07E-4E0F-927D-F97A7D4CA476}" type="presOf" srcId="{23D22876-2335-4AB4-A259-B18B1C96B063}" destId="{38A4DE1F-A001-4AB0-A497-E7D76AA09B1D}" srcOrd="0" destOrd="0" presId="urn:microsoft.com/office/officeart/2005/8/layout/hierarchy1"/>
     <dgm:cxn modelId="{8A81E371-CBA1-4F9B-9B9A-414143FC50B5}" srcId="{6D83FEBC-8BBC-4DFB-AC0C-32E82FD5BAFD}" destId="{3F5AEC27-E333-4753-AA01-79DFF1E9107C}" srcOrd="0" destOrd="0" parTransId="{368F65E4-196C-4450-85A9-2F0DDE422986}" sibTransId="{7859E348-1A87-46BF-A331-B036849DA503}"/>
     <dgm:cxn modelId="{62EF4175-6B97-4714-914F-01DDB89DA28E}" type="presOf" srcId="{EEB20ADF-D0F3-48E2-9C0D-FB23B954E827}" destId="{1DA2A86C-B181-4661-BFE1-4CF455EB0613}" srcOrd="0" destOrd="0" presId="urn:microsoft.com/office/officeart/2005/8/layout/hierarchy1"/>
     <dgm:cxn modelId="{D6E52A76-A9C3-452D-B78D-53E7F70BC871}" srcId="{5E5649F2-3D98-4B7D-AC53-275EE036F31F}" destId="{65A820DE-DE76-4C3F-B23A-7630A244B089}" srcOrd="0" destOrd="0" parTransId="{CD178F4F-91C9-4511-A07A-A7C54DDD5FE6}" sibTransId="{3A21CD42-B885-45B0-B33D-0144D098074C}"/>
     <dgm:cxn modelId="{EEB1AA78-82D7-4228-8689-3E339C976738}" type="presOf" srcId="{3F5AEC27-E333-4753-AA01-79DFF1E9107C}" destId="{C84D2855-2230-44E1-AE4F-6925FB1D6735}" srcOrd="0" destOrd="0" presId="urn:microsoft.com/office/officeart/2005/8/layout/hierarchy1"/>
     <dgm:cxn modelId="{075CB07E-0BC3-4253-8096-B3BD27F1E93B}" type="presOf" srcId="{5E5649F2-3D98-4B7D-AC53-275EE036F31F}" destId="{79E4CBE8-BC23-4093-B48A-4E3533B0A0D4}" srcOrd="0" destOrd="0" presId="urn:microsoft.com/office/officeart/2005/8/layout/hierarchy1"/>
     <dgm:cxn modelId="{F74EE984-6A3A-49F1-94A2-61F4F3DF8939}" type="presOf" srcId="{2F742410-8515-451A-A5A2-1F3721702928}" destId="{30D361FC-90B0-4E0F-9051-461FC553849A}" srcOrd="0" destOrd="0" presId="urn:microsoft.com/office/officeart/2005/8/layout/hierarchy1"/>
+    <dgm:cxn modelId="{8A925C8B-402F-4ACE-8C7B-3848B5D85268}" type="presOf" srcId="{DD8106CD-928F-4FA1-85FB-EB0B948FBCD3}" destId="{5D9F7959-14C6-412D-B4A8-9B8D05381C51}" srcOrd="0" destOrd="0" presId="urn:microsoft.com/office/officeart/2005/8/layout/hierarchy1"/>
     <dgm:cxn modelId="{E3B411A0-47F0-4135-8976-9BA365D72E38}" srcId="{5E5649F2-3D98-4B7D-AC53-275EE036F31F}" destId="{8A1B7E90-0277-4207-95D2-0B98720581F5}" srcOrd="1" destOrd="0" parTransId="{FBD03288-2542-4622-839E-FF6A7387799C}" sibTransId="{D3054024-CF96-411E-AE1B-C812E62FC81A}"/>
     <dgm:cxn modelId="{9DDC6AA2-7A52-42D3-9085-7E54A6DA695E}" srcId="{3F5AEC27-E333-4753-AA01-79DFF1E9107C}" destId="{EEB20ADF-D0F3-48E2-9C0D-FB23B954E827}" srcOrd="1" destOrd="0" parTransId="{F05D0560-BD70-409F-A3F7-A0AE7E8AC0D7}" sibTransId="{D4AB14DC-E96F-4F3F-8F98-A25BD4BF6733}"/>
     <dgm:cxn modelId="{E3D49CC1-E7B5-431B-8DE3-D0C122643654}" type="presOf" srcId="{F05D0560-BD70-409F-A3F7-A0AE7E8AC0D7}" destId="{67FA50F7-5703-47C3-A875-760B7D2368A6}" srcOrd="0" destOrd="0" presId="urn:microsoft.com/office/officeart/2005/8/layout/hierarchy1"/>
     <dgm:cxn modelId="{E580D4C6-7F09-46AC-BCBC-3B173C547854}" type="presOf" srcId="{CD178F4F-91C9-4511-A07A-A7C54DDD5FE6}" destId="{2D0EA42C-E395-471A-AF9B-8BA1572F185A}" srcOrd="0" destOrd="0" presId="urn:microsoft.com/office/officeart/2005/8/layout/hierarchy1"/>
     <dgm:cxn modelId="{86A200D4-9FD9-4B1D-A217-1907830A5E2B}" type="presOf" srcId="{00508236-BB17-4BD3-9EC9-79AA1D2F9B6A}" destId="{9899F55A-6CC5-42C1-8DB1-F4F7944773F6}" srcOrd="0" destOrd="0" presId="urn:microsoft.com/office/officeart/2005/8/layout/hierarchy1"/>
     <dgm:cxn modelId="{3446ECE2-2BF9-46B1-99BA-EAE87E463F68}" srcId="{6D83FEBC-8BBC-4DFB-AC0C-32E82FD5BAFD}" destId="{5E5649F2-3D98-4B7D-AC53-275EE036F31F}" srcOrd="1" destOrd="0" parTransId="{45E475FC-B748-4D83-AF86-6B4B2B63A88D}" sibTransId="{E350AD4B-D573-49B8-985B-76CE7EC6DA92}"/>
+    <dgm:cxn modelId="{6FE104E9-7E5D-48C7-9696-5AA0EC7EC0BF}" type="presOf" srcId="{D372FD0F-1649-40A7-920E-FB6A6DBF18C5}" destId="{0F58CA31-0DCD-4E9C-8D5B-5C4A9D57EA05}" srcOrd="0" destOrd="0" presId="urn:microsoft.com/office/officeart/2005/8/layout/hierarchy1"/>
+    <dgm:cxn modelId="{407191ED-B44A-427E-BE1A-B46F67C82B62}" srcId="{1C83538F-5BC7-4ACF-8BC5-714D84DFF1EA}" destId="{D372FD0F-1649-40A7-920E-FB6A6DBF18C5}" srcOrd="0" destOrd="0" parTransId="{DD8106CD-928F-4FA1-85FB-EB0B948FBCD3}" sibTransId="{82AC0A8D-D5F2-4607-B1A5-2413BA0D3866}"/>
     <dgm:cxn modelId="{9DBF4EFC-7828-46C2-9720-4A1512A28283}" type="presOf" srcId="{6D83FEBC-8BBC-4DFB-AC0C-32E82FD5BAFD}" destId="{95B35F53-66CD-4BE3-92A7-B24641D59E22}" srcOrd="0" destOrd="0" presId="urn:microsoft.com/office/officeart/2005/8/layout/hierarchy1"/>
     <dgm:cxn modelId="{1F3B41FD-6DEC-4A87-BABA-110CA277DD73}" type="presOf" srcId="{FBD03288-2542-4622-839E-FF6A7387799C}" destId="{E973A1D1-B591-4044-98E9-4E52C12DC03C}" srcOrd="0" destOrd="0" presId="urn:microsoft.com/office/officeart/2005/8/layout/hierarchy1"/>
     <dgm:cxn modelId="{80F17F4B-6DCD-48C9-AD4D-3C306C5E0AC1}" type="presParOf" srcId="{30D361FC-90B0-4E0F-9051-461FC553849A}" destId="{5B3DC8A3-24D0-4C26-90F2-5D23308C06F7}" srcOrd="0" destOrd="0" presId="urn:microsoft.com/office/officeart/2005/8/layout/hierarchy1"/>
@@ -1615,6 +1821,12 @@
     <dgm:cxn modelId="{CFCBC660-3639-4AF7-A4E1-6CC96DC5ABA6}" type="presParOf" srcId="{E4C87211-1E7A-4FE3-ABA5-CAA1098EE5D8}" destId="{77F9202C-BBBD-474C-A2C9-623F208523DD}" srcOrd="0" destOrd="0" presId="urn:microsoft.com/office/officeart/2005/8/layout/hierarchy1"/>
     <dgm:cxn modelId="{D8816C3D-9A5A-40CD-9BAE-AA3791D9C578}" type="presParOf" srcId="{E4C87211-1E7A-4FE3-ABA5-CAA1098EE5D8}" destId="{0600972B-0B69-45B6-973E-56C9EB30F94D}" srcOrd="1" destOrd="0" presId="urn:microsoft.com/office/officeart/2005/8/layout/hierarchy1"/>
     <dgm:cxn modelId="{1C7FF8E0-28C7-4BFD-A507-7C489A5212A5}" type="presParOf" srcId="{E6D23B86-94BF-4ECE-A5EE-03E09E652A7D}" destId="{5257E6A2-08F8-4348-B789-39B18DD42136}" srcOrd="1" destOrd="0" presId="urn:microsoft.com/office/officeart/2005/8/layout/hierarchy1"/>
+    <dgm:cxn modelId="{1AFDDE40-B927-4F1B-89FD-EEDCD73F9048}" type="presParOf" srcId="{CE2DAF55-35A2-4853-83A7-49D875A4DE91}" destId="{4A2018DB-F913-4D6C-BD1C-5F4F63CC5EF0}" srcOrd="6" destOrd="0" presId="urn:microsoft.com/office/officeart/2005/8/layout/hierarchy1"/>
+    <dgm:cxn modelId="{E6919346-5E8D-4BF3-B19A-852D574E67F7}" type="presParOf" srcId="{CE2DAF55-35A2-4853-83A7-49D875A4DE91}" destId="{F70474A4-7686-4AFD-B9D4-DFE86C0BFA24}" srcOrd="7" destOrd="0" presId="urn:microsoft.com/office/officeart/2005/8/layout/hierarchy1"/>
+    <dgm:cxn modelId="{97CC45E3-467D-4603-B457-EC6EDE432DF4}" type="presParOf" srcId="{F70474A4-7686-4AFD-B9D4-DFE86C0BFA24}" destId="{FCBD28F4-D242-4EAA-81C5-3F206AF19A18}" srcOrd="0" destOrd="0" presId="urn:microsoft.com/office/officeart/2005/8/layout/hierarchy1"/>
+    <dgm:cxn modelId="{C7131123-8385-4DD1-BBE5-760498EAD412}" type="presParOf" srcId="{FCBD28F4-D242-4EAA-81C5-3F206AF19A18}" destId="{A18E23DC-3E18-4A46-8741-4636D476F51F}" srcOrd="0" destOrd="0" presId="urn:microsoft.com/office/officeart/2005/8/layout/hierarchy1"/>
+    <dgm:cxn modelId="{7CA15352-3D5E-4F1A-8FFC-36593175A209}" type="presParOf" srcId="{FCBD28F4-D242-4EAA-81C5-3F206AF19A18}" destId="{38A4DE1F-A001-4AB0-A497-E7D76AA09B1D}" srcOrd="1" destOrd="0" presId="urn:microsoft.com/office/officeart/2005/8/layout/hierarchy1"/>
+    <dgm:cxn modelId="{CB27E0E7-3CFD-4BCA-8EAF-BF5868A4199F}" type="presParOf" srcId="{F70474A4-7686-4AFD-B9D4-DFE86C0BFA24}" destId="{A0E03099-F90E-4B80-B071-B64B3888798F}" srcOrd="1" destOrd="0" presId="urn:microsoft.com/office/officeart/2005/8/layout/hierarchy1"/>
     <dgm:cxn modelId="{4DE19913-4590-4B53-9224-46825D87AA78}" type="presParOf" srcId="{E7E49DD1-17E4-43F0-853D-D58B14773DE2}" destId="{84D0BE1B-4A11-4A55-8940-041C8EAE1AA5}" srcOrd="2" destOrd="0" presId="urn:microsoft.com/office/officeart/2005/8/layout/hierarchy1"/>
     <dgm:cxn modelId="{631DB69A-0E4C-4FE0-99D0-FDF157DE3E65}" type="presParOf" srcId="{E7E49DD1-17E4-43F0-853D-D58B14773DE2}" destId="{18EEAD28-37C1-4747-B09F-AF32F44A087E}" srcOrd="3" destOrd="0" presId="urn:microsoft.com/office/officeart/2005/8/layout/hierarchy1"/>
     <dgm:cxn modelId="{81E48F77-2018-4333-A849-EAE215870C3D}" type="presParOf" srcId="{18EEAD28-37C1-4747-B09F-AF32F44A087E}" destId="{04E4693A-601F-472A-98D3-0972E09E7A42}" srcOrd="0" destOrd="0" presId="urn:microsoft.com/office/officeart/2005/8/layout/hierarchy1"/>
@@ -1633,6 +1845,18 @@
     <dgm:cxn modelId="{CE9F6BBB-EE82-4859-BA41-82400D85E53B}" type="presParOf" srcId="{8AE752AC-98EE-4C45-ADBC-3A73C3F8786F}" destId="{824BF061-FD5A-4F33-A2A6-B373BF97E37F}" srcOrd="0" destOrd="0" presId="urn:microsoft.com/office/officeart/2005/8/layout/hierarchy1"/>
     <dgm:cxn modelId="{BD95D051-2A55-48FB-99A4-53DC6E91E17F}" type="presParOf" srcId="{8AE752AC-98EE-4C45-ADBC-3A73C3F8786F}" destId="{4623F46B-375B-402C-A9E1-B1AF6C9254CF}" srcOrd="1" destOrd="0" presId="urn:microsoft.com/office/officeart/2005/8/layout/hierarchy1"/>
     <dgm:cxn modelId="{84A01B34-2ADE-43FA-B901-5E3B340A2364}" type="presParOf" srcId="{13368DD8-E9EF-485E-944E-3684A334DC14}" destId="{D68BD67A-61C9-4368-8CD8-FE138CB6E5A1}" srcOrd="1" destOrd="0" presId="urn:microsoft.com/office/officeart/2005/8/layout/hierarchy1"/>
+    <dgm:cxn modelId="{677E550B-5FAA-46AA-A61B-A9847C87BC48}" type="presParOf" srcId="{E7E49DD1-17E4-43F0-853D-D58B14773DE2}" destId="{8FBD5AD2-0314-49A7-9F9C-B2BD53AA8F33}" srcOrd="4" destOrd="0" presId="urn:microsoft.com/office/officeart/2005/8/layout/hierarchy1"/>
+    <dgm:cxn modelId="{4FD0F161-C445-4297-A809-D8F2CAEE4B18}" type="presParOf" srcId="{E7E49DD1-17E4-43F0-853D-D58B14773DE2}" destId="{980B4E2A-F8CC-4AB1-B826-65A6F6F652B0}" srcOrd="5" destOrd="0" presId="urn:microsoft.com/office/officeart/2005/8/layout/hierarchy1"/>
+    <dgm:cxn modelId="{30F3B5A4-7F49-4597-A718-B24B55DF2DB8}" type="presParOf" srcId="{980B4E2A-F8CC-4AB1-B826-65A6F6F652B0}" destId="{D8B39CFF-C4DC-4F3E-8D90-F625D18304E4}" srcOrd="0" destOrd="0" presId="urn:microsoft.com/office/officeart/2005/8/layout/hierarchy1"/>
+    <dgm:cxn modelId="{A5482667-306D-46F8-909C-52500BBFB61C}" type="presParOf" srcId="{D8B39CFF-C4DC-4F3E-8D90-F625D18304E4}" destId="{87E8B74F-BBB0-4C70-837B-E9ECC3ADA2C9}" srcOrd="0" destOrd="0" presId="urn:microsoft.com/office/officeart/2005/8/layout/hierarchy1"/>
+    <dgm:cxn modelId="{981D819F-E6C1-4512-B91E-8AEB521EFF9E}" type="presParOf" srcId="{D8B39CFF-C4DC-4F3E-8D90-F625D18304E4}" destId="{12BE1D0E-C575-4051-B31E-3D6F4B186AD2}" srcOrd="1" destOrd="0" presId="urn:microsoft.com/office/officeart/2005/8/layout/hierarchy1"/>
+    <dgm:cxn modelId="{07D210C2-3D29-4D09-AC24-6C12BD01F716}" type="presParOf" srcId="{980B4E2A-F8CC-4AB1-B826-65A6F6F652B0}" destId="{F95F917E-438D-4682-8917-37ADEADD711C}" srcOrd="1" destOrd="0" presId="urn:microsoft.com/office/officeart/2005/8/layout/hierarchy1"/>
+    <dgm:cxn modelId="{53151CAC-219B-499D-9B71-55A2DFFF49A6}" type="presParOf" srcId="{F95F917E-438D-4682-8917-37ADEADD711C}" destId="{5D9F7959-14C6-412D-B4A8-9B8D05381C51}" srcOrd="0" destOrd="0" presId="urn:microsoft.com/office/officeart/2005/8/layout/hierarchy1"/>
+    <dgm:cxn modelId="{65E3A7B8-31CA-4720-B5B0-4122D9AC82EE}" type="presParOf" srcId="{F95F917E-438D-4682-8917-37ADEADD711C}" destId="{3BBF67B5-B8B8-4D13-A0E6-E742771B3FF9}" srcOrd="1" destOrd="0" presId="urn:microsoft.com/office/officeart/2005/8/layout/hierarchy1"/>
+    <dgm:cxn modelId="{1F3F6445-E261-44FC-BB9C-ACFD570E9B33}" type="presParOf" srcId="{3BBF67B5-B8B8-4D13-A0E6-E742771B3FF9}" destId="{B8FB6803-4903-48F1-BC13-E283DA03F24C}" srcOrd="0" destOrd="0" presId="urn:microsoft.com/office/officeart/2005/8/layout/hierarchy1"/>
+    <dgm:cxn modelId="{22C6F5D9-4F87-41A1-B650-C52DFEBB744D}" type="presParOf" srcId="{B8FB6803-4903-48F1-BC13-E283DA03F24C}" destId="{2BDF6740-AACC-41DF-B4A6-77880F17FFC9}" srcOrd="0" destOrd="0" presId="urn:microsoft.com/office/officeart/2005/8/layout/hierarchy1"/>
+    <dgm:cxn modelId="{AB3AEB41-8818-48A4-A247-D4C48E7D43A6}" type="presParOf" srcId="{B8FB6803-4903-48F1-BC13-E283DA03F24C}" destId="{0F58CA31-0DCD-4E9C-8D5B-5C4A9D57EA05}" srcOrd="1" destOrd="0" presId="urn:microsoft.com/office/officeart/2005/8/layout/hierarchy1"/>
+    <dgm:cxn modelId="{3657F806-A665-40F4-A724-50B0A34D7681}" type="presParOf" srcId="{3BBF67B5-B8B8-4D13-A0E6-E742771B3FF9}" destId="{03BECCDF-19B6-41E1-B968-856BAEFACEC2}" srcOrd="1" destOrd="0" presId="urn:microsoft.com/office/officeart/2005/8/layout/hierarchy1"/>
   </dgm:cxnLst>
   <dgm:bg/>
   <dgm:whole/>
@@ -1652,15 +1876,15 @@
       <dsp:cNvGrpSpPr/>
     </dsp:nvGrpSpPr>
     <dsp:grpSpPr/>
-    <dsp:sp modelId="{E973A1D1-B591-4044-98E9-4E52C12DC03C}">
+    <dsp:sp modelId="{5D9F7959-14C6-412D-B4A8-9B8D05381C51}">
       <dsp:nvSpPr>
         <dsp:cNvPr id="0" name=""/>
         <dsp:cNvSpPr/>
       </dsp:nvSpPr>
       <dsp:spPr>
         <a:xfrm>
-          <a:off x="8796069" y="3916154"/>
-          <a:ext cx="1124595" cy="535205"/>
+          <a:off x="10588473" y="3600847"/>
+          <a:ext cx="91440" cy="394448"/>
         </a:xfrm>
         <a:custGeom>
           <a:avLst/>
@@ -1671,16 +1895,10 @@
           <a:pathLst>
             <a:path>
               <a:moveTo>
-                <a:pt x="0" y="0"/>
+                <a:pt x="45720" y="0"/>
               </a:moveTo>
               <a:lnTo>
-                <a:pt x="0" y="364726"/>
-              </a:lnTo>
-              <a:lnTo>
-                <a:pt x="1124595" y="364726"/>
-              </a:lnTo>
-              <a:lnTo>
-                <a:pt x="1124595" y="535205"/>
+                <a:pt x="45720" y="394448"/>
               </a:lnTo>
             </a:path>
           </a:pathLst>
@@ -1713,15 +1931,15 @@
         <a:fontRef idx="minor"/>
       </dsp:style>
     </dsp:sp>
-    <dsp:sp modelId="{2D0EA42C-E395-471A-AF9B-8BA1572F185A}">
+    <dsp:sp modelId="{8FBD5AD2-0314-49A7-9F9C-B2BD53AA8F33}">
       <dsp:nvSpPr>
         <dsp:cNvPr id="0" name=""/>
         <dsp:cNvSpPr/>
       </dsp:nvSpPr>
       <dsp:spPr>
         <a:xfrm>
-          <a:off x="7671473" y="3916154"/>
-          <a:ext cx="1124595" cy="535205"/>
+          <a:off x="6904453" y="2345168"/>
+          <a:ext cx="3729740" cy="394448"/>
         </a:xfrm>
         <a:custGeom>
           <a:avLst/>
@@ -1732,16 +1950,77 @@
           <a:pathLst>
             <a:path>
               <a:moveTo>
-                <a:pt x="1124595" y="0"/>
+                <a:pt x="0" y="0"/>
               </a:moveTo>
               <a:lnTo>
-                <a:pt x="1124595" y="364726"/>
+                <a:pt x="0" y="268805"/>
               </a:lnTo>
               <a:lnTo>
-                <a:pt x="0" y="364726"/>
+                <a:pt x="3729740" y="268805"/>
               </a:lnTo>
               <a:lnTo>
-                <a:pt x="0" y="535205"/>
+                <a:pt x="3729740" y="394448"/>
+              </a:lnTo>
+            </a:path>
+          </a:pathLst>
+        </a:custGeom>
+        <a:noFill/>
+        <a:ln w="12700" cap="flat" cmpd="sng" algn="ctr">
+          <a:solidFill>
+            <a:schemeClr val="accent2">
+              <a:hueOff val="0"/>
+              <a:satOff val="0"/>
+              <a:lumOff val="0"/>
+              <a:alphaOff val="0"/>
+            </a:schemeClr>
+          </a:solidFill>
+          <a:prstDash val="solid"/>
+          <a:miter lim="800000"/>
+        </a:ln>
+        <a:effectLst/>
+      </dsp:spPr>
+      <dsp:style>
+        <a:lnRef idx="2">
+          <a:scrgbClr r="0" g="0" b="0"/>
+        </a:lnRef>
+        <a:fillRef idx="0">
+          <a:scrgbClr r="0" g="0" b="0"/>
+        </a:fillRef>
+        <a:effectRef idx="0">
+          <a:scrgbClr r="0" g="0" b="0"/>
+        </a:effectRef>
+        <a:fontRef idx="minor"/>
+      </dsp:style>
+    </dsp:sp>
+    <dsp:sp modelId="{E973A1D1-B591-4044-98E9-4E52C12DC03C}">
+      <dsp:nvSpPr>
+        <dsp:cNvPr id="0" name=""/>
+        <dsp:cNvSpPr/>
+      </dsp:nvSpPr>
+      <dsp:spPr>
+        <a:xfrm>
+          <a:off x="8147700" y="3600847"/>
+          <a:ext cx="828831" cy="394448"/>
+        </a:xfrm>
+        <a:custGeom>
+          <a:avLst/>
+          <a:gdLst/>
+          <a:ahLst/>
+          <a:cxnLst/>
+          <a:rect l="0" t="0" r="0" b="0"/>
+          <a:pathLst>
+            <a:path>
+              <a:moveTo>
+                <a:pt x="0" y="0"/>
+              </a:moveTo>
+              <a:lnTo>
+                <a:pt x="0" y="268805"/>
+              </a:lnTo>
+              <a:lnTo>
+                <a:pt x="828831" y="268805"/>
+              </a:lnTo>
+              <a:lnTo>
+                <a:pt x="828831" y="394448"/>
               </a:lnTo>
             </a:path>
           </a:pathLst>
@@ -1774,6 +2053,67 @@
         <a:fontRef idx="minor"/>
       </dsp:style>
     </dsp:sp>
+    <dsp:sp modelId="{2D0EA42C-E395-471A-AF9B-8BA1572F185A}">
+      <dsp:nvSpPr>
+        <dsp:cNvPr id="0" name=""/>
+        <dsp:cNvSpPr/>
+      </dsp:nvSpPr>
+      <dsp:spPr>
+        <a:xfrm>
+          <a:off x="7318868" y="3600847"/>
+          <a:ext cx="828831" cy="394448"/>
+        </a:xfrm>
+        <a:custGeom>
+          <a:avLst/>
+          <a:gdLst/>
+          <a:ahLst/>
+          <a:cxnLst/>
+          <a:rect l="0" t="0" r="0" b="0"/>
+          <a:pathLst>
+            <a:path>
+              <a:moveTo>
+                <a:pt x="828831" y="0"/>
+              </a:moveTo>
+              <a:lnTo>
+                <a:pt x="828831" y="268805"/>
+              </a:lnTo>
+              <a:lnTo>
+                <a:pt x="0" y="268805"/>
+              </a:lnTo>
+              <a:lnTo>
+                <a:pt x="0" y="394448"/>
+              </a:lnTo>
+            </a:path>
+          </a:pathLst>
+        </a:custGeom>
+        <a:noFill/>
+        <a:ln w="12700" cap="flat" cmpd="sng" algn="ctr">
+          <a:solidFill>
+            <a:schemeClr val="accent3">
+              <a:hueOff val="0"/>
+              <a:satOff val="0"/>
+              <a:lumOff val="0"/>
+              <a:alphaOff val="0"/>
+            </a:schemeClr>
+          </a:solidFill>
+          <a:prstDash val="solid"/>
+          <a:miter lim="800000"/>
+        </a:ln>
+        <a:effectLst/>
+      </dsp:spPr>
+      <dsp:style>
+        <a:lnRef idx="2">
+          <a:scrgbClr r="0" g="0" b="0"/>
+        </a:lnRef>
+        <a:fillRef idx="0">
+          <a:scrgbClr r="0" g="0" b="0"/>
+        </a:fillRef>
+        <a:effectRef idx="0">
+          <a:scrgbClr r="0" g="0" b="0"/>
+        </a:effectRef>
+        <a:fontRef idx="minor"/>
+      </dsp:style>
+    </dsp:sp>
     <dsp:sp modelId="{84D0BE1B-4A11-4A55-8940-041C8EAE1AA5}">
       <dsp:nvSpPr>
         <dsp:cNvPr id="0" name=""/>
@@ -1781,8 +2121,8 @@
       </dsp:nvSpPr>
       <dsp:spPr>
         <a:xfrm>
-          <a:off x="5984580" y="2212392"/>
-          <a:ext cx="2811488" cy="535205"/>
+          <a:off x="6904453" y="2345168"/>
+          <a:ext cx="1243246" cy="394448"/>
         </a:xfrm>
         <a:custGeom>
           <a:avLst/>
@@ -1796,13 +2136,13 @@
                 <a:pt x="0" y="0"/>
               </a:moveTo>
               <a:lnTo>
-                <a:pt x="0" y="364726"/>
+                <a:pt x="0" y="268805"/>
               </a:lnTo>
               <a:lnTo>
-                <a:pt x="2811488" y="364726"/>
+                <a:pt x="1243246" y="268805"/>
               </a:lnTo>
               <a:lnTo>
-                <a:pt x="2811488" y="535205"/>
+                <a:pt x="1243246" y="394448"/>
               </a:lnTo>
             </a:path>
           </a:pathLst>
@@ -1835,15 +2175,15 @@
         <a:fontRef idx="minor"/>
       </dsp:style>
     </dsp:sp>
-    <dsp:sp modelId="{B75E5E1C-9739-43B4-83C0-A93DB27D3A3F}">
+    <dsp:sp modelId="{4A2018DB-F913-4D6C-BD1C-5F4F63CC5EF0}">
       <dsp:nvSpPr>
         <dsp:cNvPr id="0" name=""/>
         <dsp:cNvSpPr/>
       </dsp:nvSpPr>
       <dsp:spPr>
         <a:xfrm>
-          <a:off x="3173091" y="3916154"/>
-          <a:ext cx="2249191" cy="535205"/>
+          <a:off x="3174712" y="3600847"/>
+          <a:ext cx="2486493" cy="394448"/>
         </a:xfrm>
         <a:custGeom>
           <a:avLst/>
@@ -1857,13 +2197,13 @@
                 <a:pt x="0" y="0"/>
               </a:moveTo>
               <a:lnTo>
-                <a:pt x="0" y="364726"/>
+                <a:pt x="0" y="268805"/>
               </a:lnTo>
               <a:lnTo>
-                <a:pt x="2249191" y="364726"/>
+                <a:pt x="2486493" y="268805"/>
               </a:lnTo>
               <a:lnTo>
-                <a:pt x="2249191" y="535205"/>
+                <a:pt x="2486493" y="394448"/>
               </a:lnTo>
             </a:path>
           </a:pathLst>
@@ -1896,15 +2236,15 @@
         <a:fontRef idx="minor"/>
       </dsp:style>
     </dsp:sp>
-    <dsp:sp modelId="{67FA50F7-5703-47C3-A875-760B7D2368A6}">
+    <dsp:sp modelId="{B75E5E1C-9739-43B4-83C0-A93DB27D3A3F}">
       <dsp:nvSpPr>
         <dsp:cNvPr id="0" name=""/>
         <dsp:cNvSpPr/>
       </dsp:nvSpPr>
       <dsp:spPr>
         <a:xfrm>
-          <a:off x="3127371" y="3916154"/>
-          <a:ext cx="91440" cy="535205"/>
+          <a:off x="3174712" y="3600847"/>
+          <a:ext cx="828831" cy="394448"/>
         </a:xfrm>
         <a:custGeom>
           <a:avLst/>
@@ -1915,10 +2255,16 @@
           <a:pathLst>
             <a:path>
               <a:moveTo>
-                <a:pt x="45720" y="0"/>
+                <a:pt x="0" y="0"/>
               </a:moveTo>
               <a:lnTo>
-                <a:pt x="45720" y="535205"/>
+                <a:pt x="0" y="268805"/>
+              </a:lnTo>
+              <a:lnTo>
+                <a:pt x="828831" y="268805"/>
+              </a:lnTo>
+              <a:lnTo>
+                <a:pt x="828831" y="394448"/>
               </a:lnTo>
             </a:path>
           </a:pathLst>
@@ -1951,15 +2297,15 @@
         <a:fontRef idx="minor"/>
       </dsp:style>
     </dsp:sp>
-    <dsp:sp modelId="{9899F55A-6CC5-42C1-8DB1-F4F7944773F6}">
+    <dsp:sp modelId="{67FA50F7-5703-47C3-A875-760B7D2368A6}">
       <dsp:nvSpPr>
         <dsp:cNvPr id="0" name=""/>
         <dsp:cNvSpPr/>
       </dsp:nvSpPr>
       <dsp:spPr>
         <a:xfrm>
-          <a:off x="923900" y="3916154"/>
-          <a:ext cx="2249191" cy="535205"/>
+          <a:off x="2345881" y="3600847"/>
+          <a:ext cx="828831" cy="394448"/>
         </a:xfrm>
         <a:custGeom>
           <a:avLst/>
@@ -1970,16 +2316,16 @@
           <a:pathLst>
             <a:path>
               <a:moveTo>
-                <a:pt x="2249191" y="0"/>
+                <a:pt x="828831" y="0"/>
               </a:moveTo>
               <a:lnTo>
-                <a:pt x="2249191" y="364726"/>
+                <a:pt x="828831" y="268805"/>
               </a:lnTo>
               <a:lnTo>
-                <a:pt x="0" y="364726"/>
+                <a:pt x="0" y="268805"/>
               </a:lnTo>
               <a:lnTo>
-                <a:pt x="0" y="535205"/>
+                <a:pt x="0" y="394448"/>
               </a:lnTo>
             </a:path>
           </a:pathLst>
@@ -2012,15 +2358,15 @@
         <a:fontRef idx="minor"/>
       </dsp:style>
     </dsp:sp>
-    <dsp:sp modelId="{7FE73FED-46AE-4605-A583-ED31E126A7D6}">
+    <dsp:sp modelId="{9899F55A-6CC5-42C1-8DB1-F4F7944773F6}">
       <dsp:nvSpPr>
         <dsp:cNvPr id="0" name=""/>
         <dsp:cNvSpPr/>
       </dsp:nvSpPr>
       <dsp:spPr>
         <a:xfrm>
-          <a:off x="3173091" y="2212392"/>
-          <a:ext cx="2811488" cy="535205"/>
+          <a:off x="688218" y="3600847"/>
+          <a:ext cx="2486493" cy="394448"/>
         </a:xfrm>
         <a:custGeom>
           <a:avLst/>
@@ -2031,16 +2377,77 @@
           <a:pathLst>
             <a:path>
               <a:moveTo>
-                <a:pt x="2811488" y="0"/>
+                <a:pt x="2486493" y="0"/>
               </a:moveTo>
               <a:lnTo>
-                <a:pt x="2811488" y="364726"/>
+                <a:pt x="2486493" y="268805"/>
               </a:lnTo>
               <a:lnTo>
-                <a:pt x="0" y="364726"/>
+                <a:pt x="0" y="268805"/>
               </a:lnTo>
               <a:lnTo>
-                <a:pt x="0" y="535205"/>
+                <a:pt x="0" y="394448"/>
+              </a:lnTo>
+            </a:path>
+          </a:pathLst>
+        </a:custGeom>
+        <a:noFill/>
+        <a:ln w="12700" cap="flat" cmpd="sng" algn="ctr">
+          <a:solidFill>
+            <a:schemeClr val="accent3">
+              <a:hueOff val="0"/>
+              <a:satOff val="0"/>
+              <a:lumOff val="0"/>
+              <a:alphaOff val="0"/>
+            </a:schemeClr>
+          </a:solidFill>
+          <a:prstDash val="solid"/>
+          <a:miter lim="800000"/>
+        </a:ln>
+        <a:effectLst/>
+      </dsp:spPr>
+      <dsp:style>
+        <a:lnRef idx="2">
+          <a:scrgbClr r="0" g="0" b="0"/>
+        </a:lnRef>
+        <a:fillRef idx="0">
+          <a:scrgbClr r="0" g="0" b="0"/>
+        </a:fillRef>
+        <a:effectRef idx="0">
+          <a:scrgbClr r="0" g="0" b="0"/>
+        </a:effectRef>
+        <a:fontRef idx="minor"/>
+      </dsp:style>
+    </dsp:sp>
+    <dsp:sp modelId="{7FE73FED-46AE-4605-A583-ED31E126A7D6}">
+      <dsp:nvSpPr>
+        <dsp:cNvPr id="0" name=""/>
+        <dsp:cNvSpPr/>
+      </dsp:nvSpPr>
+      <dsp:spPr>
+        <a:xfrm>
+          <a:off x="3174712" y="2345168"/>
+          <a:ext cx="3729740" cy="394448"/>
+        </a:xfrm>
+        <a:custGeom>
+          <a:avLst/>
+          <a:gdLst/>
+          <a:ahLst/>
+          <a:cxnLst/>
+          <a:rect l="0" t="0" r="0" b="0"/>
+          <a:pathLst>
+            <a:path>
+              <a:moveTo>
+                <a:pt x="3729740" y="0"/>
+              </a:moveTo>
+              <a:lnTo>
+                <a:pt x="3729740" y="268805"/>
+              </a:lnTo>
+              <a:lnTo>
+                <a:pt x="0" y="268805"/>
+              </a:lnTo>
+              <a:lnTo>
+                <a:pt x="0" y="394448"/>
               </a:lnTo>
             </a:path>
           </a:pathLst>
@@ -2080,8 +2487,8 @@
       </dsp:nvSpPr>
       <dsp:spPr>
         <a:xfrm>
-          <a:off x="5064456" y="1043834"/>
-          <a:ext cx="1840247" cy="1168557"/>
+          <a:off x="6226318" y="1483937"/>
+          <a:ext cx="1356269" cy="861231"/>
         </a:xfrm>
         <a:prstGeom prst="roundRect">
           <a:avLst>
@@ -2132,8 +2539,8 @@
       </dsp:nvSpPr>
       <dsp:spPr>
         <a:xfrm>
-          <a:off x="5268928" y="1238083"/>
-          <a:ext cx="1840247" cy="1168557"/>
+          <a:off x="6377015" y="1627098"/>
+          <a:ext cx="1356269" cy="861231"/>
         </a:xfrm>
         <a:prstGeom prst="roundRect">
           <a:avLst>
@@ -2176,12 +2583,12 @@
         <a:fontRef idx="minor"/>
       </dsp:style>
       <dsp:txBody>
-        <a:bodyPr spcFirstLastPara="0" vert="horz" wrap="square" lIns="76200" tIns="76200" rIns="76200" bIns="76200" numCol="1" spcCol="1270" anchor="ctr" anchorCtr="0">
+        <a:bodyPr spcFirstLastPara="0" vert="horz" wrap="square" lIns="57150" tIns="57150" rIns="57150" bIns="57150" numCol="1" spcCol="1270" anchor="ctr" anchorCtr="0">
           <a:noAutofit/>
         </a:bodyPr>
         <a:lstStyle/>
         <a:p>
-          <a:pPr marL="0" lvl="0" indent="0" algn="ctr" defTabSz="889000">
+          <a:pPr marL="0" lvl="0" indent="0" algn="ctr" defTabSz="666750">
             <a:lnSpc>
               <a:spcPct val="90000"/>
             </a:lnSpc>
@@ -2194,14 +2601,14 @@
             <a:buNone/>
           </a:pPr>
           <a:r>
-            <a:rPr lang="pt-BR" sz="2000" kern="1200" dirty="0"/>
+            <a:rPr lang="pt-BR" sz="1500" kern="1200" dirty="0"/>
             <a:t>Gerente de TI</a:t>
           </a:r>
         </a:p>
       </dsp:txBody>
       <dsp:txXfrm>
-        <a:off x="5303154" y="1272309"/>
-        <a:ext cx="1771795" cy="1100105"/>
+        <a:off x="6402240" y="1652323"/>
+        <a:ext cx="1305819" cy="810781"/>
       </dsp:txXfrm>
     </dsp:sp>
     <dsp:sp modelId="{93FDF22F-3AC1-4607-9966-4750F17B68D4}">
@@ -2211,8 +2618,8 @@
       </dsp:nvSpPr>
       <dsp:spPr>
         <a:xfrm>
-          <a:off x="2252967" y="2747597"/>
-          <a:ext cx="1840247" cy="1168557"/>
+          <a:off x="2496577" y="2739616"/>
+          <a:ext cx="1356269" cy="861231"/>
         </a:xfrm>
         <a:prstGeom prst="roundRect">
           <a:avLst>
@@ -2263,8 +2670,8 @@
       </dsp:nvSpPr>
       <dsp:spPr>
         <a:xfrm>
-          <a:off x="2457439" y="2941845"/>
-          <a:ext cx="1840247" cy="1168557"/>
+          <a:off x="2647274" y="2882778"/>
+          <a:ext cx="1356269" cy="861231"/>
         </a:xfrm>
         <a:prstGeom prst="roundRect">
           <a:avLst>
@@ -2307,12 +2714,12 @@
         <a:fontRef idx="minor"/>
       </dsp:style>
       <dsp:txBody>
-        <a:bodyPr spcFirstLastPara="0" vert="horz" wrap="square" lIns="76200" tIns="76200" rIns="76200" bIns="76200" numCol="1" spcCol="1270" anchor="ctr" anchorCtr="0">
+        <a:bodyPr spcFirstLastPara="0" vert="horz" wrap="square" lIns="57150" tIns="57150" rIns="57150" bIns="57150" numCol="1" spcCol="1270" anchor="ctr" anchorCtr="0">
           <a:noAutofit/>
         </a:bodyPr>
         <a:lstStyle/>
         <a:p>
-          <a:pPr marL="0" lvl="0" indent="0" algn="ctr" defTabSz="889000">
+          <a:pPr marL="0" lvl="0" indent="0" algn="ctr" defTabSz="666750">
             <a:lnSpc>
               <a:spcPct val="90000"/>
             </a:lnSpc>
@@ -2325,14 +2732,14 @@
             <a:buNone/>
           </a:pPr>
           <a:r>
-            <a:rPr lang="pt-BR" sz="2000" kern="1200" dirty="0"/>
+            <a:rPr lang="pt-BR" sz="1500" kern="1200" dirty="0"/>
             <a:t>Coordenador Programação</a:t>
           </a:r>
         </a:p>
       </dsp:txBody>
       <dsp:txXfrm>
-        <a:off x="2491665" y="2976071"/>
-        <a:ext cx="1771795" cy="1100105"/>
+        <a:off x="2672499" y="2908003"/>
+        <a:ext cx="1305819" cy="810781"/>
       </dsp:txXfrm>
     </dsp:sp>
     <dsp:sp modelId="{77E5CE80-A0AF-4971-8F40-C9A4CC70A011}">
@@ -2342,8 +2749,8 @@
       </dsp:nvSpPr>
       <dsp:spPr>
         <a:xfrm>
-          <a:off x="3776" y="4451359"/>
-          <a:ext cx="1840247" cy="1168557"/>
+          <a:off x="10083" y="3995295"/>
+          <a:ext cx="1356269" cy="861231"/>
         </a:xfrm>
         <a:prstGeom prst="roundRect">
           <a:avLst>
@@ -2394,8 +2801,8 @@
       </dsp:nvSpPr>
       <dsp:spPr>
         <a:xfrm>
-          <a:off x="208248" y="4645607"/>
-          <a:ext cx="1840247" cy="1168557"/>
+          <a:off x="160780" y="4138457"/>
+          <a:ext cx="1356269" cy="861231"/>
         </a:xfrm>
         <a:prstGeom prst="roundRect">
           <a:avLst>
@@ -2438,12 +2845,12 @@
         <a:fontRef idx="minor"/>
       </dsp:style>
       <dsp:txBody>
-        <a:bodyPr spcFirstLastPara="0" vert="horz" wrap="square" lIns="76200" tIns="76200" rIns="76200" bIns="76200" numCol="1" spcCol="1270" anchor="ctr" anchorCtr="0">
+        <a:bodyPr spcFirstLastPara="0" vert="horz" wrap="square" lIns="57150" tIns="57150" rIns="57150" bIns="57150" numCol="1" spcCol="1270" anchor="ctr" anchorCtr="0">
           <a:noAutofit/>
         </a:bodyPr>
         <a:lstStyle/>
         <a:p>
-          <a:pPr marL="0" lvl="0" indent="0" algn="ctr" defTabSz="889000">
+          <a:pPr marL="0" lvl="0" indent="0" algn="ctr" defTabSz="666750">
             <a:lnSpc>
               <a:spcPct val="90000"/>
             </a:lnSpc>
@@ -2456,14 +2863,14 @@
             <a:buNone/>
           </a:pPr>
           <a:r>
-            <a:rPr lang="pt-BR" sz="2000" kern="1200" dirty="0"/>
+            <a:rPr lang="pt-BR" sz="1500" kern="1200" dirty="0"/>
             <a:t>Desenvolvedor Web</a:t>
           </a:r>
         </a:p>
       </dsp:txBody>
       <dsp:txXfrm>
-        <a:off x="242474" y="4679833"/>
-        <a:ext cx="1771795" cy="1100105"/>
+        <a:off x="186005" y="4163682"/>
+        <a:ext cx="1305819" cy="810781"/>
       </dsp:txXfrm>
     </dsp:sp>
     <dsp:sp modelId="{E8C417FF-D32C-4E1B-91B0-0BDD6F3827EF}">
@@ -2473,8 +2880,8 @@
       </dsp:nvSpPr>
       <dsp:spPr>
         <a:xfrm>
-          <a:off x="2252967" y="4451359"/>
-          <a:ext cx="1840247" cy="1168557"/>
+          <a:off x="1667746" y="3995295"/>
+          <a:ext cx="1356269" cy="861231"/>
         </a:xfrm>
         <a:prstGeom prst="roundRect">
           <a:avLst>
@@ -2525,8 +2932,8 @@
       </dsp:nvSpPr>
       <dsp:spPr>
         <a:xfrm>
-          <a:off x="2457439" y="4645607"/>
-          <a:ext cx="1840247" cy="1168557"/>
+          <a:off x="1818442" y="4138457"/>
+          <a:ext cx="1356269" cy="861231"/>
         </a:xfrm>
         <a:prstGeom prst="roundRect">
           <a:avLst>
@@ -2569,12 +2976,12 @@
         <a:fontRef idx="minor"/>
       </dsp:style>
       <dsp:txBody>
-        <a:bodyPr spcFirstLastPara="0" vert="horz" wrap="square" lIns="76200" tIns="76200" rIns="76200" bIns="76200" numCol="1" spcCol="1270" anchor="ctr" anchorCtr="0">
+        <a:bodyPr spcFirstLastPara="0" vert="horz" wrap="square" lIns="57150" tIns="57150" rIns="57150" bIns="57150" numCol="1" spcCol="1270" anchor="ctr" anchorCtr="0">
           <a:noAutofit/>
         </a:bodyPr>
         <a:lstStyle/>
         <a:p>
-          <a:pPr marL="0" lvl="0" indent="0" algn="ctr" defTabSz="889000">
+          <a:pPr marL="0" lvl="0" indent="0" algn="ctr" defTabSz="666750">
             <a:lnSpc>
               <a:spcPct val="90000"/>
             </a:lnSpc>
@@ -2587,14 +2994,14 @@
             <a:buNone/>
           </a:pPr>
           <a:r>
-            <a:rPr lang="pt-BR" sz="2000" kern="1200" dirty="0"/>
+            <a:rPr lang="pt-BR" sz="1500" kern="1200" dirty="0"/>
             <a:t>Designer</a:t>
           </a:r>
         </a:p>
       </dsp:txBody>
       <dsp:txXfrm>
-        <a:off x="2491665" y="4679833"/>
-        <a:ext cx="1771795" cy="1100105"/>
+        <a:off x="1843667" y="4163682"/>
+        <a:ext cx="1305819" cy="810781"/>
       </dsp:txXfrm>
     </dsp:sp>
     <dsp:sp modelId="{77F9202C-BBBD-474C-A2C9-623F208523DD}">
@@ -2604,8 +3011,8 @@
       </dsp:nvSpPr>
       <dsp:spPr>
         <a:xfrm>
-          <a:off x="4502158" y="4451359"/>
-          <a:ext cx="1840247" cy="1168557"/>
+          <a:off x="3325408" y="3995295"/>
+          <a:ext cx="1356269" cy="861231"/>
         </a:xfrm>
         <a:prstGeom prst="roundRect">
           <a:avLst>
@@ -2656,8 +3063,8 @@
       </dsp:nvSpPr>
       <dsp:spPr>
         <a:xfrm>
-          <a:off x="4706630" y="4645607"/>
-          <a:ext cx="1840247" cy="1168557"/>
+          <a:off x="3476105" y="4138457"/>
+          <a:ext cx="1356269" cy="861231"/>
         </a:xfrm>
         <a:prstGeom prst="roundRect">
           <a:avLst>
@@ -2700,12 +3107,12 @@
         <a:fontRef idx="minor"/>
       </dsp:style>
       <dsp:txBody>
-        <a:bodyPr spcFirstLastPara="0" vert="horz" wrap="square" lIns="76200" tIns="76200" rIns="76200" bIns="76200" numCol="1" spcCol="1270" anchor="ctr" anchorCtr="0">
+        <a:bodyPr spcFirstLastPara="0" vert="horz" wrap="square" lIns="57150" tIns="57150" rIns="57150" bIns="57150" numCol="1" spcCol="1270" anchor="ctr" anchorCtr="0">
           <a:noAutofit/>
         </a:bodyPr>
         <a:lstStyle/>
         <a:p>
-          <a:pPr marL="0" lvl="0" indent="0" algn="ctr" defTabSz="889000">
+          <a:pPr marL="0" lvl="0" indent="0" algn="ctr" defTabSz="666750">
             <a:lnSpc>
               <a:spcPct val="90000"/>
             </a:lnSpc>
@@ -2718,14 +3125,145 @@
             <a:buNone/>
           </a:pPr>
           <a:r>
-            <a:rPr lang="pt-BR" sz="2000" kern="1200" dirty="0"/>
+            <a:rPr lang="pt-BR" sz="1500" kern="1200" dirty="0"/>
             <a:t>Analista de Testes</a:t>
           </a:r>
         </a:p>
       </dsp:txBody>
       <dsp:txXfrm>
-        <a:off x="4740856" y="4679833"/>
-        <a:ext cx="1771795" cy="1100105"/>
+        <a:off x="3501330" y="4163682"/>
+        <a:ext cx="1305819" cy="810781"/>
+      </dsp:txXfrm>
+    </dsp:sp>
+    <dsp:sp modelId="{A18E23DC-3E18-4A46-8741-4636D476F51F}">
+      <dsp:nvSpPr>
+        <dsp:cNvPr id="0" name=""/>
+        <dsp:cNvSpPr/>
+      </dsp:nvSpPr>
+      <dsp:spPr>
+        <a:xfrm>
+          <a:off x="4983071" y="3995295"/>
+          <a:ext cx="1356269" cy="861231"/>
+        </a:xfrm>
+        <a:prstGeom prst="roundRect">
+          <a:avLst>
+            <a:gd name="adj" fmla="val 10000"/>
+          </a:avLst>
+        </a:prstGeom>
+        <a:solidFill>
+          <a:schemeClr val="accent3">
+            <a:hueOff val="0"/>
+            <a:satOff val="0"/>
+            <a:lumOff val="0"/>
+            <a:alphaOff val="0"/>
+          </a:schemeClr>
+        </a:solidFill>
+        <a:ln w="12700" cap="flat" cmpd="sng" algn="ctr">
+          <a:solidFill>
+            <a:schemeClr val="lt1">
+              <a:hueOff val="0"/>
+              <a:satOff val="0"/>
+              <a:lumOff val="0"/>
+              <a:alphaOff val="0"/>
+            </a:schemeClr>
+          </a:solidFill>
+          <a:prstDash val="solid"/>
+          <a:miter lim="800000"/>
+        </a:ln>
+        <a:effectLst/>
+      </dsp:spPr>
+      <dsp:style>
+        <a:lnRef idx="2">
+          <a:scrgbClr r="0" g="0" b="0"/>
+        </a:lnRef>
+        <a:fillRef idx="1">
+          <a:scrgbClr r="0" g="0" b="0"/>
+        </a:fillRef>
+        <a:effectRef idx="0">
+          <a:scrgbClr r="0" g="0" b="0"/>
+        </a:effectRef>
+        <a:fontRef idx="minor">
+          <a:schemeClr val="lt1"/>
+        </a:fontRef>
+      </dsp:style>
+    </dsp:sp>
+    <dsp:sp modelId="{38A4DE1F-A001-4AB0-A497-E7D76AA09B1D}">
+      <dsp:nvSpPr>
+        <dsp:cNvPr id="0" name=""/>
+        <dsp:cNvSpPr/>
+      </dsp:nvSpPr>
+      <dsp:spPr>
+        <a:xfrm>
+          <a:off x="5133768" y="4138457"/>
+          <a:ext cx="1356269" cy="861231"/>
+        </a:xfrm>
+        <a:prstGeom prst="roundRect">
+          <a:avLst>
+            <a:gd name="adj" fmla="val 10000"/>
+          </a:avLst>
+        </a:prstGeom>
+        <a:solidFill>
+          <a:schemeClr val="lt1">
+            <a:alpha val="90000"/>
+            <a:hueOff val="0"/>
+            <a:satOff val="0"/>
+            <a:lumOff val="0"/>
+            <a:alphaOff val="0"/>
+          </a:schemeClr>
+        </a:solidFill>
+        <a:ln w="12700" cap="flat" cmpd="sng" algn="ctr">
+          <a:solidFill>
+            <a:schemeClr val="accent3">
+              <a:hueOff val="0"/>
+              <a:satOff val="0"/>
+              <a:lumOff val="0"/>
+              <a:alphaOff val="0"/>
+            </a:schemeClr>
+          </a:solidFill>
+          <a:prstDash val="solid"/>
+          <a:miter lim="800000"/>
+        </a:ln>
+        <a:effectLst/>
+      </dsp:spPr>
+      <dsp:style>
+        <a:lnRef idx="2">
+          <a:scrgbClr r="0" g="0" b="0"/>
+        </a:lnRef>
+        <a:fillRef idx="1">
+          <a:scrgbClr r="0" g="0" b="0"/>
+        </a:fillRef>
+        <a:effectRef idx="0">
+          <a:scrgbClr r="0" g="0" b="0"/>
+        </a:effectRef>
+        <a:fontRef idx="minor"/>
+      </dsp:style>
+      <dsp:txBody>
+        <a:bodyPr spcFirstLastPara="0" vert="horz" wrap="square" lIns="57150" tIns="57150" rIns="57150" bIns="57150" numCol="1" spcCol="1270" anchor="ctr" anchorCtr="0">
+          <a:noAutofit/>
+        </a:bodyPr>
+        <a:lstStyle/>
+        <a:p>
+          <a:pPr marL="0" lvl="0" indent="0" algn="ctr" defTabSz="666750">
+            <a:lnSpc>
+              <a:spcPct val="90000"/>
+            </a:lnSpc>
+            <a:spcBef>
+              <a:spcPct val="0"/>
+            </a:spcBef>
+            <a:spcAft>
+              <a:spcPct val="35000"/>
+            </a:spcAft>
+            <a:buNone/>
+          </a:pPr>
+          <a:r>
+            <a:rPr lang="pt-BR" sz="1500" kern="1200" dirty="0"/>
+            <a:t>DBA</a:t>
+          </a:r>
+        </a:p>
+      </dsp:txBody>
+      <dsp:txXfrm>
+        <a:off x="5158993" y="4163682"/>
+        <a:ext cx="1305819" cy="810781"/>
       </dsp:txXfrm>
     </dsp:sp>
     <dsp:sp modelId="{A1816F1F-D793-468C-986E-89BF52209F95}">
@@ -2735,8 +3273,8 @@
       </dsp:nvSpPr>
       <dsp:spPr>
         <a:xfrm>
-          <a:off x="7875945" y="2747597"/>
-          <a:ext cx="1840247" cy="1168557"/>
+          <a:off x="7469565" y="2739616"/>
+          <a:ext cx="1356269" cy="861231"/>
         </a:xfrm>
         <a:prstGeom prst="roundRect">
           <a:avLst>
@@ -2787,8 +3325,8 @@
       </dsp:nvSpPr>
       <dsp:spPr>
         <a:xfrm>
-          <a:off x="8080417" y="2941845"/>
-          <a:ext cx="1840247" cy="1168557"/>
+          <a:off x="7620261" y="2882778"/>
+          <a:ext cx="1356269" cy="861231"/>
         </a:xfrm>
         <a:prstGeom prst="roundRect">
           <a:avLst>
@@ -2831,12 +3369,12 @@
         <a:fontRef idx="minor"/>
       </dsp:style>
       <dsp:txBody>
-        <a:bodyPr spcFirstLastPara="0" vert="horz" wrap="square" lIns="76200" tIns="76200" rIns="76200" bIns="76200" numCol="1" spcCol="1270" anchor="ctr" anchorCtr="0">
+        <a:bodyPr spcFirstLastPara="0" vert="horz" wrap="square" lIns="57150" tIns="57150" rIns="57150" bIns="57150" numCol="1" spcCol="1270" anchor="ctr" anchorCtr="0">
           <a:noAutofit/>
         </a:bodyPr>
         <a:lstStyle/>
         <a:p>
-          <a:pPr marL="0" lvl="0" indent="0" algn="ctr" defTabSz="889000">
+          <a:pPr marL="0" lvl="0" indent="0" algn="ctr" defTabSz="666750">
             <a:lnSpc>
               <a:spcPct val="90000"/>
             </a:lnSpc>
@@ -2849,14 +3387,14 @@
             <a:buNone/>
           </a:pPr>
           <a:r>
-            <a:rPr lang="pt-BR" sz="2000" kern="1200" dirty="0"/>
+            <a:rPr lang="pt-BR" sz="1500" kern="1200" dirty="0"/>
             <a:t>Coordenador Marketing</a:t>
           </a:r>
         </a:p>
       </dsp:txBody>
       <dsp:txXfrm>
-        <a:off x="8114643" y="2976071"/>
-        <a:ext cx="1771795" cy="1100105"/>
+        <a:off x="7645486" y="2908003"/>
+        <a:ext cx="1305819" cy="810781"/>
       </dsp:txXfrm>
     </dsp:sp>
     <dsp:sp modelId="{05D7BFCD-532D-43B5-8A9E-3AF18B6629E8}">
@@ -2866,8 +3404,8 @@
       </dsp:nvSpPr>
       <dsp:spPr>
         <a:xfrm>
-          <a:off x="6751350" y="4451359"/>
-          <a:ext cx="1840247" cy="1168557"/>
+          <a:off x="6640734" y="3995295"/>
+          <a:ext cx="1356269" cy="861231"/>
         </a:xfrm>
         <a:prstGeom prst="roundRect">
           <a:avLst>
@@ -2918,8 +3456,8 @@
       </dsp:nvSpPr>
       <dsp:spPr>
         <a:xfrm>
-          <a:off x="6955821" y="4645607"/>
-          <a:ext cx="1840247" cy="1168557"/>
+          <a:off x="6791430" y="4138457"/>
+          <a:ext cx="1356269" cy="861231"/>
         </a:xfrm>
         <a:prstGeom prst="roundRect">
           <a:avLst>
@@ -2962,12 +3500,12 @@
         <a:fontRef idx="minor"/>
       </dsp:style>
       <dsp:txBody>
-        <a:bodyPr spcFirstLastPara="0" vert="horz" wrap="square" lIns="76200" tIns="76200" rIns="76200" bIns="76200" numCol="1" spcCol="1270" anchor="ctr" anchorCtr="0">
+        <a:bodyPr spcFirstLastPara="0" vert="horz" wrap="square" lIns="57150" tIns="57150" rIns="57150" bIns="57150" numCol="1" spcCol="1270" anchor="ctr" anchorCtr="0">
           <a:noAutofit/>
         </a:bodyPr>
         <a:lstStyle/>
         <a:p>
-          <a:pPr marL="0" lvl="0" indent="0" algn="ctr" defTabSz="889000">
+          <a:pPr marL="0" lvl="0" indent="0" algn="ctr" defTabSz="666750">
             <a:lnSpc>
               <a:spcPct val="90000"/>
             </a:lnSpc>
@@ -2980,14 +3518,14 @@
             <a:buNone/>
           </a:pPr>
           <a:r>
-            <a:rPr lang="pt-BR" sz="2000" kern="1200" dirty="0"/>
+            <a:rPr lang="pt-BR" sz="1500" kern="1200" dirty="0"/>
             <a:t>Analista de Conteúdo</a:t>
           </a:r>
         </a:p>
       </dsp:txBody>
       <dsp:txXfrm>
-        <a:off x="6990047" y="4679833"/>
-        <a:ext cx="1771795" cy="1100105"/>
+        <a:off x="6816655" y="4163682"/>
+        <a:ext cx="1305819" cy="810781"/>
       </dsp:txXfrm>
     </dsp:sp>
     <dsp:sp modelId="{824BF061-FD5A-4F33-A2A6-B373BF97E37F}">
@@ -2997,8 +3535,8 @@
       </dsp:nvSpPr>
       <dsp:spPr>
         <a:xfrm>
-          <a:off x="9000541" y="4451359"/>
-          <a:ext cx="1840247" cy="1168557"/>
+          <a:off x="8298396" y="3995295"/>
+          <a:ext cx="1356269" cy="861231"/>
         </a:xfrm>
         <a:prstGeom prst="roundRect">
           <a:avLst>
@@ -3049,8 +3587,8 @@
       </dsp:nvSpPr>
       <dsp:spPr>
         <a:xfrm>
-          <a:off x="9205013" y="4645607"/>
-          <a:ext cx="1840247" cy="1168557"/>
+          <a:off x="8449093" y="4138457"/>
+          <a:ext cx="1356269" cy="861231"/>
         </a:xfrm>
         <a:prstGeom prst="roundRect">
           <a:avLst>
@@ -3093,12 +3631,12 @@
         <a:fontRef idx="minor"/>
       </dsp:style>
       <dsp:txBody>
-        <a:bodyPr spcFirstLastPara="0" vert="horz" wrap="square" lIns="76200" tIns="76200" rIns="76200" bIns="76200" numCol="1" spcCol="1270" anchor="ctr" anchorCtr="0">
+        <a:bodyPr spcFirstLastPara="0" vert="horz" wrap="square" lIns="57150" tIns="57150" rIns="57150" bIns="57150" numCol="1" spcCol="1270" anchor="ctr" anchorCtr="0">
           <a:noAutofit/>
         </a:bodyPr>
         <a:lstStyle/>
         <a:p>
-          <a:pPr marL="0" lvl="0" indent="0" algn="ctr" defTabSz="889000">
+          <a:pPr marL="0" lvl="0" indent="0" algn="ctr" defTabSz="666750">
             <a:lnSpc>
               <a:spcPct val="90000"/>
             </a:lnSpc>
@@ -3111,14 +3649,276 @@
             <a:buNone/>
           </a:pPr>
           <a:r>
-            <a:rPr lang="pt-BR" sz="2000" kern="1200" dirty="0"/>
+            <a:rPr lang="pt-BR" sz="1500" kern="1200" dirty="0"/>
             <a:t>Gestor de Tráfego</a:t>
           </a:r>
         </a:p>
       </dsp:txBody>
       <dsp:txXfrm>
-        <a:off x="9239239" y="4679833"/>
-        <a:ext cx="1771795" cy="1100105"/>
+        <a:off x="8474318" y="4163682"/>
+        <a:ext cx="1305819" cy="810781"/>
+      </dsp:txXfrm>
+    </dsp:sp>
+    <dsp:sp modelId="{87E8B74F-BBB0-4C70-837B-E9ECC3ADA2C9}">
+      <dsp:nvSpPr>
+        <dsp:cNvPr id="0" name=""/>
+        <dsp:cNvSpPr/>
+      </dsp:nvSpPr>
+      <dsp:spPr>
+        <a:xfrm>
+          <a:off x="9956059" y="2739616"/>
+          <a:ext cx="1356269" cy="861231"/>
+        </a:xfrm>
+        <a:prstGeom prst="roundRect">
+          <a:avLst>
+            <a:gd name="adj" fmla="val 10000"/>
+          </a:avLst>
+        </a:prstGeom>
+        <a:solidFill>
+          <a:schemeClr val="accent2">
+            <a:hueOff val="0"/>
+            <a:satOff val="0"/>
+            <a:lumOff val="0"/>
+            <a:alphaOff val="0"/>
+          </a:schemeClr>
+        </a:solidFill>
+        <a:ln w="12700" cap="flat" cmpd="sng" algn="ctr">
+          <a:solidFill>
+            <a:schemeClr val="lt1">
+              <a:hueOff val="0"/>
+              <a:satOff val="0"/>
+              <a:lumOff val="0"/>
+              <a:alphaOff val="0"/>
+            </a:schemeClr>
+          </a:solidFill>
+          <a:prstDash val="solid"/>
+          <a:miter lim="800000"/>
+        </a:ln>
+        <a:effectLst/>
+      </dsp:spPr>
+      <dsp:style>
+        <a:lnRef idx="2">
+          <a:scrgbClr r="0" g="0" b="0"/>
+        </a:lnRef>
+        <a:fillRef idx="1">
+          <a:scrgbClr r="0" g="0" b="0"/>
+        </a:fillRef>
+        <a:effectRef idx="0">
+          <a:scrgbClr r="0" g="0" b="0"/>
+        </a:effectRef>
+        <a:fontRef idx="minor">
+          <a:schemeClr val="lt1"/>
+        </a:fontRef>
+      </dsp:style>
+    </dsp:sp>
+    <dsp:sp modelId="{12BE1D0E-C575-4051-B31E-3D6F4B186AD2}">
+      <dsp:nvSpPr>
+        <dsp:cNvPr id="0" name=""/>
+        <dsp:cNvSpPr/>
+      </dsp:nvSpPr>
+      <dsp:spPr>
+        <a:xfrm>
+          <a:off x="10106755" y="2882778"/>
+          <a:ext cx="1356269" cy="861231"/>
+        </a:xfrm>
+        <a:prstGeom prst="roundRect">
+          <a:avLst>
+            <a:gd name="adj" fmla="val 10000"/>
+          </a:avLst>
+        </a:prstGeom>
+        <a:solidFill>
+          <a:schemeClr val="lt1">
+            <a:alpha val="90000"/>
+            <a:hueOff val="0"/>
+            <a:satOff val="0"/>
+            <a:lumOff val="0"/>
+            <a:alphaOff val="0"/>
+          </a:schemeClr>
+        </a:solidFill>
+        <a:ln w="12700" cap="flat" cmpd="sng" algn="ctr">
+          <a:solidFill>
+            <a:schemeClr val="accent2">
+              <a:hueOff val="0"/>
+              <a:satOff val="0"/>
+              <a:lumOff val="0"/>
+              <a:alphaOff val="0"/>
+            </a:schemeClr>
+          </a:solidFill>
+          <a:prstDash val="solid"/>
+          <a:miter lim="800000"/>
+        </a:ln>
+        <a:effectLst/>
+      </dsp:spPr>
+      <dsp:style>
+        <a:lnRef idx="2">
+          <a:scrgbClr r="0" g="0" b="0"/>
+        </a:lnRef>
+        <a:fillRef idx="1">
+          <a:scrgbClr r="0" g="0" b="0"/>
+        </a:fillRef>
+        <a:effectRef idx="0">
+          <a:scrgbClr r="0" g="0" b="0"/>
+        </a:effectRef>
+        <a:fontRef idx="minor"/>
+      </dsp:style>
+      <dsp:txBody>
+        <a:bodyPr spcFirstLastPara="0" vert="horz" wrap="square" lIns="57150" tIns="57150" rIns="57150" bIns="57150" numCol="1" spcCol="1270" anchor="ctr" anchorCtr="0">
+          <a:noAutofit/>
+        </a:bodyPr>
+        <a:lstStyle/>
+        <a:p>
+          <a:pPr marL="0" lvl="0" indent="0" algn="ctr" defTabSz="666750">
+            <a:lnSpc>
+              <a:spcPct val="90000"/>
+            </a:lnSpc>
+            <a:spcBef>
+              <a:spcPct val="0"/>
+            </a:spcBef>
+            <a:spcAft>
+              <a:spcPct val="35000"/>
+            </a:spcAft>
+            <a:buNone/>
+          </a:pPr>
+          <a:r>
+            <a:rPr lang="pt-BR" sz="1500" kern="1200" dirty="0"/>
+            <a:t>Coordenador de Infraestrutura</a:t>
+          </a:r>
+        </a:p>
+      </dsp:txBody>
+      <dsp:txXfrm>
+        <a:off x="10131980" y="2908003"/>
+        <a:ext cx="1305819" cy="810781"/>
+      </dsp:txXfrm>
+    </dsp:sp>
+    <dsp:sp modelId="{2BDF6740-AACC-41DF-B4A6-77880F17FFC9}">
+      <dsp:nvSpPr>
+        <dsp:cNvPr id="0" name=""/>
+        <dsp:cNvSpPr/>
+      </dsp:nvSpPr>
+      <dsp:spPr>
+        <a:xfrm>
+          <a:off x="9956059" y="3995295"/>
+          <a:ext cx="1356269" cy="861231"/>
+        </a:xfrm>
+        <a:prstGeom prst="roundRect">
+          <a:avLst>
+            <a:gd name="adj" fmla="val 10000"/>
+          </a:avLst>
+        </a:prstGeom>
+        <a:solidFill>
+          <a:schemeClr val="accent3">
+            <a:hueOff val="0"/>
+            <a:satOff val="0"/>
+            <a:lumOff val="0"/>
+            <a:alphaOff val="0"/>
+          </a:schemeClr>
+        </a:solidFill>
+        <a:ln w="12700" cap="flat" cmpd="sng" algn="ctr">
+          <a:solidFill>
+            <a:schemeClr val="lt1">
+              <a:hueOff val="0"/>
+              <a:satOff val="0"/>
+              <a:lumOff val="0"/>
+              <a:alphaOff val="0"/>
+            </a:schemeClr>
+          </a:solidFill>
+          <a:prstDash val="solid"/>
+          <a:miter lim="800000"/>
+        </a:ln>
+        <a:effectLst/>
+      </dsp:spPr>
+      <dsp:style>
+        <a:lnRef idx="2">
+          <a:scrgbClr r="0" g="0" b="0"/>
+        </a:lnRef>
+        <a:fillRef idx="1">
+          <a:scrgbClr r="0" g="0" b="0"/>
+        </a:fillRef>
+        <a:effectRef idx="0">
+          <a:scrgbClr r="0" g="0" b="0"/>
+        </a:effectRef>
+        <a:fontRef idx="minor">
+          <a:schemeClr val="lt1"/>
+        </a:fontRef>
+      </dsp:style>
+    </dsp:sp>
+    <dsp:sp modelId="{0F58CA31-0DCD-4E9C-8D5B-5C4A9D57EA05}">
+      <dsp:nvSpPr>
+        <dsp:cNvPr id="0" name=""/>
+        <dsp:cNvSpPr/>
+      </dsp:nvSpPr>
+      <dsp:spPr>
+        <a:xfrm>
+          <a:off x="10106755" y="4138457"/>
+          <a:ext cx="1356269" cy="861231"/>
+        </a:xfrm>
+        <a:prstGeom prst="roundRect">
+          <a:avLst>
+            <a:gd name="adj" fmla="val 10000"/>
+          </a:avLst>
+        </a:prstGeom>
+        <a:solidFill>
+          <a:schemeClr val="lt1">
+            <a:alpha val="90000"/>
+            <a:hueOff val="0"/>
+            <a:satOff val="0"/>
+            <a:lumOff val="0"/>
+            <a:alphaOff val="0"/>
+          </a:schemeClr>
+        </a:solidFill>
+        <a:ln w="12700" cap="flat" cmpd="sng" algn="ctr">
+          <a:solidFill>
+            <a:schemeClr val="accent3">
+              <a:hueOff val="0"/>
+              <a:satOff val="0"/>
+              <a:lumOff val="0"/>
+              <a:alphaOff val="0"/>
+            </a:schemeClr>
+          </a:solidFill>
+          <a:prstDash val="solid"/>
+          <a:miter lim="800000"/>
+        </a:ln>
+        <a:effectLst/>
+      </dsp:spPr>
+      <dsp:style>
+        <a:lnRef idx="2">
+          <a:scrgbClr r="0" g="0" b="0"/>
+        </a:lnRef>
+        <a:fillRef idx="1">
+          <a:scrgbClr r="0" g="0" b="0"/>
+        </a:fillRef>
+        <a:effectRef idx="0">
+          <a:scrgbClr r="0" g="0" b="0"/>
+        </a:effectRef>
+        <a:fontRef idx="minor"/>
+      </dsp:style>
+      <dsp:txBody>
+        <a:bodyPr spcFirstLastPara="0" vert="horz" wrap="square" lIns="57150" tIns="57150" rIns="57150" bIns="57150" numCol="1" spcCol="1270" anchor="ctr" anchorCtr="0">
+          <a:noAutofit/>
+        </a:bodyPr>
+        <a:lstStyle/>
+        <a:p>
+          <a:pPr marL="0" lvl="0" indent="0" algn="ctr" defTabSz="666750">
+            <a:lnSpc>
+              <a:spcPct val="90000"/>
+            </a:lnSpc>
+            <a:spcBef>
+              <a:spcPct val="0"/>
+            </a:spcBef>
+            <a:spcAft>
+              <a:spcPct val="35000"/>
+            </a:spcAft>
+            <a:buNone/>
+          </a:pPr>
+          <a:r>
+            <a:rPr lang="pt-BR" sz="1500" kern="1200" dirty="0"/>
+            <a:t>Técnico de Infra</a:t>
+          </a:r>
+        </a:p>
+      </dsp:txBody>
+      <dsp:txXfrm>
+        <a:off x="10131980" y="4163682"/>
+        <a:ext cx="1305819" cy="810781"/>
       </dsp:txXfrm>
     </dsp:sp>
   </dsp:spTree>
@@ -7949,14 +8749,14 @@
           <p:nvPr>
             <p:extLst>
               <p:ext uri="{D42A27DB-BD31-4B8C-83A1-F6EECF244321}">
-                <p14:modId xmlns:p14="http://schemas.microsoft.com/office/powerpoint/2010/main" val="2168645638"/>
+                <p14:modId xmlns:p14="http://schemas.microsoft.com/office/powerpoint/2010/main" val="749557952"/>
               </p:ext>
             </p:extLst>
           </p:nvPr>
         </p:nvGraphicFramePr>
         <p:xfrm>
-          <a:off x="679135" y="0"/>
-          <a:ext cx="11049037" cy="6858000"/>
+          <a:off x="334578" y="374374"/>
+          <a:ext cx="11473109" cy="6483626"/>
         </p:xfrm>
         <a:graphic>
           <a:graphicData uri="http://schemas.openxmlformats.org/drawingml/2006/diagram">
